--- a/Session3-OS_to_cloud_platform-Basics_of_Apache_Mesos_based_DCOS/Cloud_OS_with_single_click-Introduction_to_Azure_Container_Service.pptx
+++ b/Session3-OS_to_cloud_platform-Basics_of_Apache_Mesos_based_DCOS/Cloud_OS_with_single_click-Introduction_to_Azure_Container_Service.pptx
@@ -11,9 +11,9 @@
   <p:sldIdLst>
     <p:sldId id="298" r:id="rId6"/>
     <p:sldId id="299" r:id="rId7"/>
-    <p:sldId id="303" r:id="rId8"/>
-    <p:sldId id="301" r:id="rId9"/>
-    <p:sldId id="302" r:id="rId10"/>
+    <p:sldId id="301" r:id="rId8"/>
+    <p:sldId id="302" r:id="rId9"/>
+    <p:sldId id="303" r:id="rId10"/>
   </p:sldIdLst>
   <p:sldSz cx="12192000" cy="6858000"/>
   <p:notesSz cx="6858000" cy="9144000"/>
@@ -202,7 +202,7 @@
           <a:p>
             <a:fld id="{F1BAF915-D872-467E-B06B-AA030D28EC54}" type="datetimeFigureOut">
               <a:rPr lang="hu-HU" smtClean="0"/>
-              <a:t>2016. 09. 16.</a:t>
+              <a:t>2016. 10. 11.</a:t>
             </a:fld>
             <a:endParaRPr lang="hu-HU"/>
           </a:p>
@@ -607,7 +607,7 @@
           <a:p>
             <a:fld id="{DDCD61BB-790A-4EFE-904A-F3FC061E4182}" type="datetime8">
               <a:rPr lang="en-US" smtClean="0"/>
-              <a:t>9/16/2016 10:54 AM</a:t>
+              <a:t>10/11/2016 8:45 AM</a:t>
             </a:fld>
             <a:endParaRPr lang="en-US" dirty="0"/>
           </a:p>
@@ -796,7 +796,7 @@
           <a:p>
             <a:fld id="{DDCD61BB-790A-4EFE-904A-F3FC061E4182}" type="datetime8">
               <a:rPr lang="en-US" smtClean="0"/>
-              <a:t>9/16/2016 10:54 AM</a:t>
+              <a:t>10/11/2016 8:45 AM</a:t>
             </a:fld>
             <a:endParaRPr lang="en-US" dirty="0"/>
           </a:p>
@@ -919,23 +919,6 @@
               <a:tabLst/>
               <a:defRPr/>
             </a:pPr>
-            <a:r>
-              <a:rPr kumimoji="0" lang="en-US" sz="1200" b="0" i="0" u="none" strike="noStrike" kern="1200" cap="none" spc="0" normalizeH="0" baseline="0" noProof="0">
-                <a:ln>
-                  <a:noFill/>
-                </a:ln>
-                <a:solidFill>
-                  <a:prstClr val="black"/>
-                </a:solidFill>
-                <a:effectLst/>
-                <a:uLnTx/>
-                <a:uFillTx/>
-                <a:latin typeface="Segoe UI" pitchFamily="34" charset="0"/>
-                <a:ea typeface="+mn-ea"/>
-                <a:cs typeface="+mn-cs"/>
-              </a:rPr>
-              <a:t>Build 2015</a:t>
-            </a:r>
             <a:endParaRPr kumimoji="0" lang="en-US" sz="1200" b="0" i="0" u="none" strike="noStrike" kern="1200" cap="none" spc="0" normalizeH="0" baseline="0" noProof="0" dirty="0">
               <a:ln>
                 <a:noFill/>
@@ -986,7 +969,7 @@
               <a:defRPr/>
             </a:pPr>
             <a:r>
-              <a:rPr kumimoji="0" lang="en-US" sz="400" b="0" i="0" u="none" strike="noStrike" kern="1200" cap="none" spc="0" normalizeH="0" baseline="0" noProof="0">
+              <a:rPr kumimoji="0" lang="en-US" sz="400" b="0" i="0" u="none" strike="noStrike" kern="1200" cap="none" spc="0" normalizeH="0" baseline="0" noProof="0" dirty="0">
                 <a:ln>
                   <a:noFill/>
                 </a:ln>
@@ -1008,30 +991,8 @@
                 <a:ea typeface="Segoe UI" pitchFamily="34" charset="0"/>
                 <a:cs typeface="Segoe UI" pitchFamily="34" charset="0"/>
               </a:rPr>
-              <a:t>© 2015 Microsoft Corporation. All rights reserved. MICROSOFT MAKES NO WARRANTIES, EXPRESS, IMPLIED OR STATUTORY, AS TO THE INFORMATION IN THIS PRESENTATION.</a:t>
+              <a:t>© 2016 Microsoft Corporation. All rights reserved. MICROSOFT MAKES NO WARRANTIES, EXPRESS, IMPLIED OR STATUTORY, AS TO THE INFORMATION IN THIS PRESENTATION.</a:t>
             </a:r>
-            <a:endParaRPr kumimoji="0" lang="en-US" sz="400" b="0" i="0" u="none" strike="noStrike" kern="1200" cap="none" spc="0" normalizeH="0" baseline="0" noProof="0" dirty="0">
-              <a:ln>
-                <a:noFill/>
-              </a:ln>
-              <a:gradFill>
-                <a:gsLst>
-                  <a:gs pos="0">
-                    <a:prstClr val="black"/>
-                  </a:gs>
-                  <a:gs pos="100000">
-                    <a:prstClr val="black"/>
-                  </a:gs>
-                </a:gsLst>
-                <a:lin ang="5400000" scaled="0"/>
-              </a:gradFill>
-              <a:effectLst/>
-              <a:uLnTx/>
-              <a:uFillTx/>
-              <a:latin typeface="Segoe UI" pitchFamily="34" charset="0"/>
-              <a:ea typeface="Segoe UI" pitchFamily="34" charset="0"/>
-              <a:cs typeface="Segoe UI" pitchFamily="34" charset="0"/>
-            </a:endParaRPr>
           </a:p>
         </p:txBody>
       </p:sp>
@@ -1067,7 +1028,7 @@
               <a:tabLst/>
               <a:defRPr/>
             </a:pPr>
-            <a:fld id="{660D637C-4196-456A-BE05-35CAEA308567}" type="datetime1">
+            <a:fld id="{90EC29EE-A8AD-4CE0-9C0B-116E0D4D7533}" type="datetime8">
               <a:rPr kumimoji="0" lang="en-US" sz="1200" b="0" i="0" u="none" strike="noStrike" kern="1200" cap="none" spc="0" normalizeH="0" baseline="0" noProof="0" smtClean="0">
                 <a:ln>
                   <a:noFill/>
@@ -1099,7 +1060,7 @@
                 <a:tabLst/>
                 <a:defRPr/>
               </a:pPr>
-              <a:t>9/16/2016</a:t>
+              <a:t>10/11/2016 8:45 AM</a:t>
             </a:fld>
             <a:endParaRPr kumimoji="0" lang="en-US" sz="1200" b="0" i="0" u="none" strike="noStrike" kern="1200" cap="none" spc="0" normalizeH="0" baseline="0" noProof="0" dirty="0">
               <a:ln>
@@ -1204,7 +1165,7 @@
     </p:spTree>
     <p:extLst>
       <p:ext uri="{BB962C8B-B14F-4D97-AF65-F5344CB8AC3E}">
-        <p14:creationId xmlns:p14="http://schemas.microsoft.com/office/powerpoint/2010/main" val="1099943099"/>
+        <p14:creationId xmlns:p14="http://schemas.microsoft.com/office/powerpoint/2010/main" val="3906023988"/>
       </p:ext>
     </p:extLst>
   </p:cSld>
@@ -1435,7 +1396,7 @@
                 <a:tabLst/>
                 <a:defRPr/>
               </a:pPr>
-              <a:t>9/16/2016 10:54 AM</a:t>
+              <a:t>10/11/2016 8:45 AM</a:t>
             </a:fld>
             <a:endParaRPr kumimoji="0" lang="en-US" sz="1200" b="0" i="0" u="none" strike="noStrike" kern="1200" cap="none" spc="0" normalizeH="0" baseline="0" noProof="0" dirty="0">
               <a:ln>
@@ -1540,7 +1501,7 @@
     </p:spTree>
     <p:extLst>
       <p:ext uri="{BB962C8B-B14F-4D97-AF65-F5344CB8AC3E}">
-        <p14:creationId xmlns:p14="http://schemas.microsoft.com/office/powerpoint/2010/main" val="3906023988"/>
+        <p14:creationId xmlns:p14="http://schemas.microsoft.com/office/powerpoint/2010/main" val="2738627756"/>
       </p:ext>
     </p:extLst>
   </p:cSld>
@@ -1569,19 +1530,38 @@
       </p:grpSpPr>
       <p:sp>
         <p:nvSpPr>
-          <p:cNvPr id="2" name="Slide Image Placeholder 1"/>
+          <p:cNvPr id="14338" name="Diakép helye 1"/>
           <p:cNvSpPr>
-            <a:spLocks noGrp="1" noRot="1" noChangeAspect="1"/>
+            <a:spLocks noGrp="1" noRot="1" noChangeAspect="1" noTextEdit="1"/>
           </p:cNvSpPr>
           <p:nvPr>
             <p:ph type="sldImg"/>
           </p:nvPr>
         </p:nvSpPr>
-        <p:spPr/>
+        <p:spPr bwMode="auto">
+          <a:noFill/>
+          <a:ln>
+            <a:solidFill>
+              <a:srgbClr val="000000"/>
+            </a:solidFill>
+            <a:miter lim="800000"/>
+            <a:headEnd/>
+            <a:tailEnd/>
+          </a:ln>
+          <a:extLst>
+            <a:ext uri="{909E8E84-426E-40DD-AFC4-6F175D3DCCD1}">
+              <a14:hiddenFill xmlns:a14="http://schemas.microsoft.com/office/drawing/2010/main">
+                <a:solidFill>
+                  <a:srgbClr val="FFFFFF"/>
+                </a:solidFill>
+              </a14:hiddenFill>
+            </a:ext>
+          </a:extLst>
+        </p:spPr>
       </p:sp>
       <p:sp>
         <p:nvSpPr>
-          <p:cNvPr id="3" name="Notes Placeholder 2"/>
+          <p:cNvPr id="14339" name="Jegyzetek helye 2"/>
           <p:cNvSpPr>
             <a:spLocks noGrp="1"/>
           </p:cNvSpPr>
@@ -1589,294 +1569,222 @@
             <p:ph type="body" idx="1"/>
           </p:nvPr>
         </p:nvSpPr>
-        <p:spPr/>
+        <p:spPr bwMode="auto">
+          <a:noFill/>
+          <a:extLst>
+            <a:ext uri="{909E8E84-426E-40DD-AFC4-6F175D3DCCD1}">
+              <a14:hiddenFill xmlns:a14="http://schemas.microsoft.com/office/drawing/2010/main">
+                <a:solidFill>
+                  <a:srgbClr val="FFFFFF"/>
+                </a:solidFill>
+              </a14:hiddenFill>
+            </a:ext>
+            <a:ext uri="{91240B29-F687-4F45-9708-019B960494DF}">
+              <a14:hiddenLine xmlns:a14="http://schemas.microsoft.com/office/drawing/2010/main" w="9525">
+                <a:solidFill>
+                  <a:srgbClr val="000000"/>
+                </a:solidFill>
+                <a:miter lim="800000"/>
+                <a:headEnd/>
+                <a:tailEnd/>
+              </a14:hiddenLine>
+            </a:ext>
+          </a:extLst>
+        </p:spPr>
         <p:txBody>
           <a:bodyPr/>
           <a:lstStyle/>
           <a:p>
-            <a:endParaRPr lang="en-US" dirty="0"/>
-          </a:p>
-        </p:txBody>
-      </p:sp>
-      <p:sp>
-        <p:nvSpPr>
-          <p:cNvPr id="4" name="Header Placeholder 3"/>
-          <p:cNvSpPr>
-            <a:spLocks noGrp="1"/>
-          </p:cNvSpPr>
-          <p:nvPr>
-            <p:ph type="hdr" sz="quarter" idx="10"/>
-          </p:nvPr>
-        </p:nvSpPr>
-        <p:spPr/>
-        <p:txBody>
-          <a:bodyPr/>
-          <a:lstStyle/>
-          <a:p>
-            <a:pPr marL="0" marR="0" lvl="0" indent="0" algn="l" defTabSz="932742" rtl="0" eaLnBrk="1" fontAlgn="auto" latinLnBrk="0" hangingPunct="1">
-              <a:lnSpc>
-                <a:spcPct val="100000"/>
-              </a:lnSpc>
+            <a:pPr eaLnBrk="1" hangingPunct="1">
               <a:spcBef>
-                <a:spcPts val="0"/>
+                <a:spcPct val="0"/>
               </a:spcBef>
-              <a:spcAft>
-                <a:spcPts val="0"/>
-              </a:spcAft>
-              <a:buClrTx/>
-              <a:buSzTx/>
-              <a:buFontTx/>
-              <a:buNone/>
-              <a:tabLst/>
-              <a:defRPr/>
             </a:pPr>
-            <a:endParaRPr kumimoji="0" lang="en-US" sz="1200" b="0" i="0" u="none" strike="noStrike" kern="1200" cap="none" spc="0" normalizeH="0" baseline="0" noProof="0" dirty="0">
-              <a:ln>
-                <a:noFill/>
-              </a:ln>
-              <a:solidFill>
-                <a:prstClr val="black"/>
-              </a:solidFill>
-              <a:effectLst/>
-              <a:uLnTx/>
-              <a:uFillTx/>
-              <a:latin typeface="Segoe UI" pitchFamily="34" charset="0"/>
-              <a:ea typeface="+mn-ea"/>
-              <a:cs typeface="+mn-cs"/>
+            <a:endParaRPr lang="en-US" altLang="hu-HU">
+              <a:ea typeface="ＭＳ Ｐゴシック" panose="020B0600070205080204" pitchFamily="34" charset="-128"/>
             </a:endParaRPr>
           </a:p>
         </p:txBody>
       </p:sp>
       <p:sp>
         <p:nvSpPr>
-          <p:cNvPr id="5" name="Footer Placeholder 4"/>
+          <p:cNvPr id="14340" name="Dia számának helye 3"/>
           <p:cNvSpPr>
             <a:spLocks noGrp="1"/>
           </p:cNvSpPr>
           <p:nvPr>
-            <p:ph type="ftr" sz="quarter" idx="11"/>
+            <p:ph type="sldNum" sz="quarter" idx="5"/>
           </p:nvPr>
         </p:nvSpPr>
-        <p:spPr/>
+        <p:spPr bwMode="auto">
+          <a:noFill/>
+          <a:extLst>
+            <a:ext uri="{909E8E84-426E-40DD-AFC4-6F175D3DCCD1}">
+              <a14:hiddenFill xmlns:a14="http://schemas.microsoft.com/office/drawing/2010/main">
+                <a:solidFill>
+                  <a:srgbClr val="FFFFFF"/>
+                </a:solidFill>
+              </a14:hiddenFill>
+            </a:ext>
+            <a:ext uri="{91240B29-F687-4F45-9708-019B960494DF}">
+              <a14:hiddenLine xmlns:a14="http://schemas.microsoft.com/office/drawing/2010/main" w="9525">
+                <a:solidFill>
+                  <a:srgbClr val="000000"/>
+                </a:solidFill>
+                <a:miter lim="800000"/>
+                <a:headEnd/>
+                <a:tailEnd/>
+              </a14:hiddenLine>
+            </a:ext>
+          </a:extLst>
+        </p:spPr>
         <p:txBody>
           <a:bodyPr/>
-          <a:lstStyle/>
-          <a:p>
-            <a:pPr marL="571500" marR="0" lvl="0" indent="0" algn="l" defTabSz="914099" rtl="0" eaLnBrk="0" fontAlgn="auto" latinLnBrk="0" hangingPunct="0">
-              <a:lnSpc>
-                <a:spcPct val="100000"/>
-              </a:lnSpc>
+          <a:lstStyle>
+            <a:lvl1pPr>
               <a:spcBef>
-                <a:spcPts val="0"/>
+                <a:spcPct val="30000"/>
+              </a:spcBef>
+              <a:defRPr sz="1200">
+                <a:solidFill>
+                  <a:schemeClr val="tx1"/>
+                </a:solidFill>
+                <a:latin typeface="Calibri" panose="020F0502020204030204" pitchFamily="34" charset="0"/>
+                <a:ea typeface="ＭＳ Ｐゴシック" panose="020B0600070205080204" pitchFamily="34" charset="-128"/>
+              </a:defRPr>
+            </a:lvl1pPr>
+            <a:lvl2pPr marL="742950" indent="-285750">
+              <a:spcBef>
+                <a:spcPct val="30000"/>
+              </a:spcBef>
+              <a:defRPr sz="1200">
+                <a:solidFill>
+                  <a:schemeClr val="tx1"/>
+                </a:solidFill>
+                <a:latin typeface="Calibri" panose="020F0502020204030204" pitchFamily="34" charset="0"/>
+                <a:ea typeface="ＭＳ Ｐゴシック" panose="020B0600070205080204" pitchFamily="34" charset="-128"/>
+              </a:defRPr>
+            </a:lvl2pPr>
+            <a:lvl3pPr marL="1143000" indent="-228600">
+              <a:spcBef>
+                <a:spcPct val="30000"/>
+              </a:spcBef>
+              <a:defRPr sz="1200">
+                <a:solidFill>
+                  <a:schemeClr val="tx1"/>
+                </a:solidFill>
+                <a:latin typeface="Calibri" panose="020F0502020204030204" pitchFamily="34" charset="0"/>
+                <a:ea typeface="ＭＳ Ｐゴシック" panose="020B0600070205080204" pitchFamily="34" charset="-128"/>
+              </a:defRPr>
+            </a:lvl3pPr>
+            <a:lvl4pPr marL="1600200" indent="-228600">
+              <a:spcBef>
+                <a:spcPct val="30000"/>
+              </a:spcBef>
+              <a:defRPr sz="1200">
+                <a:solidFill>
+                  <a:schemeClr val="tx1"/>
+                </a:solidFill>
+                <a:latin typeface="Calibri" panose="020F0502020204030204" pitchFamily="34" charset="0"/>
+                <a:ea typeface="ＭＳ Ｐゴシック" panose="020B0600070205080204" pitchFamily="34" charset="-128"/>
+              </a:defRPr>
+            </a:lvl4pPr>
+            <a:lvl5pPr marL="2057400" indent="-228600">
+              <a:spcBef>
+                <a:spcPct val="30000"/>
+              </a:spcBef>
+              <a:defRPr sz="1200">
+                <a:solidFill>
+                  <a:schemeClr val="tx1"/>
+                </a:solidFill>
+                <a:latin typeface="Calibri" panose="020F0502020204030204" pitchFamily="34" charset="0"/>
+                <a:ea typeface="ＭＳ Ｐゴシック" panose="020B0600070205080204" pitchFamily="34" charset="-128"/>
+              </a:defRPr>
+            </a:lvl5pPr>
+            <a:lvl6pPr marL="2514600" indent="-228600" eaLnBrk="0" fontAlgn="base" hangingPunct="0">
+              <a:spcBef>
+                <a:spcPct val="30000"/>
               </a:spcBef>
               <a:spcAft>
-                <a:spcPts val="0"/>
+                <a:spcPct val="0"/>
               </a:spcAft>
-              <a:buClrTx/>
-              <a:buSzTx/>
-              <a:buFontTx/>
-              <a:buNone/>
-              <a:tabLst/>
-              <a:defRPr/>
-            </a:pPr>
-            <a:r>
-              <a:rPr kumimoji="0" lang="en-US" sz="400" b="0" i="0" u="none" strike="noStrike" kern="1200" cap="none" spc="0" normalizeH="0" baseline="0" noProof="0" dirty="0">
-                <a:ln>
-                  <a:noFill/>
-                </a:ln>
-                <a:gradFill>
-                  <a:gsLst>
-                    <a:gs pos="0">
-                      <a:prstClr val="black"/>
-                    </a:gs>
-                    <a:gs pos="100000">
-                      <a:prstClr val="black"/>
-                    </a:gs>
-                  </a:gsLst>
-                  <a:lin ang="5400000" scaled="0"/>
-                </a:gradFill>
-                <a:effectLst/>
-                <a:uLnTx/>
-                <a:uFillTx/>
-                <a:latin typeface="Segoe UI" pitchFamily="34" charset="0"/>
-                <a:ea typeface="Segoe UI" pitchFamily="34" charset="0"/>
-                <a:cs typeface="Segoe UI" pitchFamily="34" charset="0"/>
-              </a:rPr>
-              <a:t>© 2016 Microsoft Corporation. All rights reserved. MICROSOFT MAKES NO WARRANTIES, EXPRESS, IMPLIED OR STATUTORY, AS TO THE INFORMATION IN THIS PRESENTATION.</a:t>
-            </a:r>
-          </a:p>
-        </p:txBody>
-      </p:sp>
-      <p:sp>
-        <p:nvSpPr>
-          <p:cNvPr id="6" name="Date Placeholder 5"/>
-          <p:cNvSpPr>
-            <a:spLocks noGrp="1"/>
-          </p:cNvSpPr>
-          <p:nvPr>
-            <p:ph type="dt" idx="12"/>
-          </p:nvPr>
-        </p:nvSpPr>
-        <p:spPr/>
-        <p:txBody>
-          <a:bodyPr/>
-          <a:lstStyle/>
-          <a:p>
-            <a:pPr marL="0" marR="0" lvl="0" indent="0" algn="r" defTabSz="932742" rtl="0" eaLnBrk="1" fontAlgn="auto" latinLnBrk="0" hangingPunct="1">
-              <a:lnSpc>
-                <a:spcPct val="100000"/>
-              </a:lnSpc>
+              <a:defRPr sz="1200">
+                <a:solidFill>
+                  <a:schemeClr val="tx1"/>
+                </a:solidFill>
+                <a:latin typeface="Calibri" panose="020F0502020204030204" pitchFamily="34" charset="0"/>
+                <a:ea typeface="ＭＳ Ｐゴシック" panose="020B0600070205080204" pitchFamily="34" charset="-128"/>
+              </a:defRPr>
+            </a:lvl6pPr>
+            <a:lvl7pPr marL="2971800" indent="-228600" eaLnBrk="0" fontAlgn="base" hangingPunct="0">
               <a:spcBef>
-                <a:spcPts val="0"/>
+                <a:spcPct val="30000"/>
               </a:spcBef>
               <a:spcAft>
-                <a:spcPts val="0"/>
+                <a:spcPct val="0"/>
               </a:spcAft>
-              <a:buClrTx/>
-              <a:buSzTx/>
-              <a:buFontTx/>
-              <a:buNone/>
-              <a:tabLst/>
-              <a:defRPr/>
-            </a:pPr>
-            <a:fld id="{90EC29EE-A8AD-4CE0-9C0B-116E0D4D7533}" type="datetime8">
-              <a:rPr kumimoji="0" lang="en-US" sz="1200" b="0" i="0" u="none" strike="noStrike" kern="1200" cap="none" spc="0" normalizeH="0" baseline="0" noProof="0" smtClean="0">
-                <a:ln>
-                  <a:noFill/>
-                </a:ln>
+              <a:defRPr sz="1200">
                 <a:solidFill>
-                  <a:prstClr val="black"/>
+                  <a:schemeClr val="tx1"/>
                 </a:solidFill>
-                <a:effectLst/>
-                <a:uLnTx/>
-                <a:uFillTx/>
-                <a:latin typeface="Segoe UI" pitchFamily="34" charset="0"/>
-                <a:ea typeface="+mn-ea"/>
-                <a:cs typeface="+mn-cs"/>
-              </a:rPr>
-              <a:pPr marL="0" marR="0" lvl="0" indent="0" algn="r" defTabSz="932742" rtl="0" eaLnBrk="1" fontAlgn="auto" latinLnBrk="0" hangingPunct="1">
-                <a:lnSpc>
-                  <a:spcPct val="100000"/>
-                </a:lnSpc>
-                <a:spcBef>
-                  <a:spcPts val="0"/>
-                </a:spcBef>
-                <a:spcAft>
-                  <a:spcPts val="0"/>
-                </a:spcAft>
-                <a:buClrTx/>
-                <a:buSzTx/>
-                <a:buFontTx/>
-                <a:buNone/>
-                <a:tabLst/>
-                <a:defRPr/>
-              </a:pPr>
-              <a:t>9/16/2016 10:54 AM</a:t>
-            </a:fld>
-            <a:endParaRPr kumimoji="0" lang="en-US" sz="1200" b="0" i="0" u="none" strike="noStrike" kern="1200" cap="none" spc="0" normalizeH="0" baseline="0" noProof="0" dirty="0">
-              <a:ln>
-                <a:noFill/>
-              </a:ln>
-              <a:solidFill>
-                <a:prstClr val="black"/>
-              </a:solidFill>
-              <a:effectLst/>
-              <a:uLnTx/>
-              <a:uFillTx/>
-              <a:latin typeface="Segoe UI" pitchFamily="34" charset="0"/>
-              <a:ea typeface="+mn-ea"/>
-              <a:cs typeface="+mn-cs"/>
-            </a:endParaRPr>
-          </a:p>
-        </p:txBody>
-      </p:sp>
-      <p:sp>
-        <p:nvSpPr>
-          <p:cNvPr id="7" name="Slide Number Placeholder 6"/>
-          <p:cNvSpPr>
-            <a:spLocks noGrp="1"/>
-          </p:cNvSpPr>
-          <p:nvPr>
-            <p:ph type="sldNum" sz="quarter" idx="13"/>
-          </p:nvPr>
-        </p:nvSpPr>
-        <p:spPr/>
-        <p:txBody>
-          <a:bodyPr/>
-          <a:lstStyle/>
-          <a:p>
-            <a:pPr marL="0" marR="0" lvl="0" indent="0" algn="r" defTabSz="932742" rtl="0" eaLnBrk="1" fontAlgn="auto" latinLnBrk="0" hangingPunct="1">
-              <a:lnSpc>
-                <a:spcPct val="100000"/>
-              </a:lnSpc>
+                <a:latin typeface="Calibri" panose="020F0502020204030204" pitchFamily="34" charset="0"/>
+                <a:ea typeface="ＭＳ Ｐゴシック" panose="020B0600070205080204" pitchFamily="34" charset="-128"/>
+              </a:defRPr>
+            </a:lvl7pPr>
+            <a:lvl8pPr marL="3429000" indent="-228600" eaLnBrk="0" fontAlgn="base" hangingPunct="0">
               <a:spcBef>
-                <a:spcPts val="0"/>
+                <a:spcPct val="30000"/>
               </a:spcBef>
               <a:spcAft>
-                <a:spcPts val="0"/>
+                <a:spcPct val="0"/>
               </a:spcAft>
-              <a:buClrTx/>
-              <a:buSzTx/>
-              <a:buFontTx/>
-              <a:buNone/>
-              <a:tabLst/>
-              <a:defRPr/>
+              <a:defRPr sz="1200">
+                <a:solidFill>
+                  <a:schemeClr val="tx1"/>
+                </a:solidFill>
+                <a:latin typeface="Calibri" panose="020F0502020204030204" pitchFamily="34" charset="0"/>
+                <a:ea typeface="ＭＳ Ｐゴシック" panose="020B0600070205080204" pitchFamily="34" charset="-128"/>
+              </a:defRPr>
+            </a:lvl8pPr>
+            <a:lvl9pPr marL="3886200" indent="-228600" eaLnBrk="0" fontAlgn="base" hangingPunct="0">
+              <a:spcBef>
+                <a:spcPct val="30000"/>
+              </a:spcBef>
+              <a:spcAft>
+                <a:spcPct val="0"/>
+              </a:spcAft>
+              <a:defRPr sz="1200">
+                <a:solidFill>
+                  <a:schemeClr val="tx1"/>
+                </a:solidFill>
+                <a:latin typeface="Calibri" panose="020F0502020204030204" pitchFamily="34" charset="0"/>
+                <a:ea typeface="ＭＳ Ｐゴシック" panose="020B0600070205080204" pitchFamily="34" charset="-128"/>
+              </a:defRPr>
+            </a:lvl9pPr>
+          </a:lstStyle>
+          <a:p>
+            <a:pPr>
+              <a:spcBef>
+                <a:spcPct val="0"/>
+              </a:spcBef>
             </a:pPr>
-            <a:fld id="{B4008EB6-D09E-4580-8CD6-DDB14511944F}" type="slidenum">
-              <a:rPr kumimoji="0" lang="en-US" sz="1200" b="0" i="0" u="none" strike="noStrike" kern="1200" cap="none" spc="0" normalizeH="0" baseline="0" noProof="0" smtClean="0">
-                <a:ln>
-                  <a:noFill/>
-                </a:ln>
-                <a:solidFill>
-                  <a:prstClr val="black"/>
-                </a:solidFill>
-                <a:effectLst/>
-                <a:uLnTx/>
-                <a:uFillTx/>
-                <a:latin typeface="Segoe UI" pitchFamily="34" charset="0"/>
-                <a:ea typeface="+mn-ea"/>
-                <a:cs typeface="+mn-cs"/>
-              </a:rPr>
-              <a:pPr marL="0" marR="0" lvl="0" indent="0" algn="r" defTabSz="932742" rtl="0" eaLnBrk="1" fontAlgn="auto" latinLnBrk="0" hangingPunct="1">
-                <a:lnSpc>
-                  <a:spcPct val="100000"/>
-                </a:lnSpc>
+            <a:fld id="{D4136665-7F62-440F-91E6-EA84D32F76FA}" type="slidenum">
+              <a:rPr lang="hu-HU" altLang="hu-HU"/>
+              <a:pPr>
                 <a:spcBef>
-                  <a:spcPts val="0"/>
+                  <a:spcPct val="0"/>
                 </a:spcBef>
-                <a:spcAft>
-                  <a:spcPts val="0"/>
-                </a:spcAft>
-                <a:buClrTx/>
-                <a:buSzTx/>
-                <a:buFontTx/>
-                <a:buNone/>
-                <a:tabLst/>
-                <a:defRPr/>
               </a:pPr>
               <a:t>5</a:t>
             </a:fld>
-            <a:endParaRPr kumimoji="0" lang="en-US" sz="1200" b="0" i="0" u="none" strike="noStrike" kern="1200" cap="none" spc="0" normalizeH="0" baseline="0" noProof="0" dirty="0">
-              <a:ln>
-                <a:noFill/>
-              </a:ln>
-              <a:solidFill>
-                <a:prstClr val="black"/>
-              </a:solidFill>
-              <a:effectLst/>
-              <a:uLnTx/>
-              <a:uFillTx/>
-              <a:latin typeface="Segoe UI" pitchFamily="34" charset="0"/>
-              <a:ea typeface="+mn-ea"/>
-              <a:cs typeface="+mn-cs"/>
-            </a:endParaRPr>
+            <a:endParaRPr lang="hu-HU" altLang="hu-HU"/>
           </a:p>
         </p:txBody>
       </p:sp>
     </p:spTree>
     <p:extLst>
       <p:ext uri="{BB962C8B-B14F-4D97-AF65-F5344CB8AC3E}">
-        <p14:creationId xmlns:p14="http://schemas.microsoft.com/office/powerpoint/2010/main" val="2738627756"/>
+        <p14:creationId xmlns:p14="http://schemas.microsoft.com/office/powerpoint/2010/main" val="2609331716"/>
       </p:ext>
     </p:extLst>
   </p:cSld>
@@ -9749,16 +9657,8 @@
 </file>
 
 <file path=ppt/slideLayouts/slideLayout25.xml><?xml version="1.0" encoding="utf-8"?>
-<p:sldLayout xmlns:a="http://schemas.openxmlformats.org/drawingml/2006/main" xmlns:r="http://schemas.openxmlformats.org/officeDocument/2006/relationships" xmlns:p="http://schemas.openxmlformats.org/presentationml/2006/main" userDrawn="1">
-  <p:cSld name="Title and Content">
-    <p:bg>
-      <p:bgPr>
-        <a:solidFill>
-          <a:srgbClr val="F8F8F8"/>
-        </a:solidFill>
-        <a:effectLst/>
-      </p:bgPr>
-    </p:bg>
+<p:sldLayout xmlns:a="http://schemas.openxmlformats.org/drawingml/2006/main" xmlns:r="http://schemas.openxmlformats.org/officeDocument/2006/relationships" xmlns:p="http://schemas.openxmlformats.org/presentationml/2006/main" type="obj">
+  <p:cSld name="Cím és tartalom">
     <p:spTree>
       <p:nvGrpSpPr>
         <p:cNvPr id="1" name=""/>
@@ -9773,72 +9673,63 @@
           <a:chExt cx="0" cy="0"/>
         </a:xfrm>
       </p:grpSpPr>
+      <p:pic>
+        <p:nvPicPr>
+          <p:cNvPr id="4" name="Kép 6" descr="Kép1_vonal.png"/>
+          <p:cNvPicPr>
+            <a:picLocks noChangeAspect="1"/>
+          </p:cNvPicPr>
+          <p:nvPr userDrawn="1"/>
+        </p:nvPicPr>
+        <p:blipFill>
+          <a:blip r:embed="rId2">
+            <a:extLst>
+              <a:ext uri="{28A0092B-C50C-407E-A947-70E740481C1C}">
+                <a14:useLocalDpi xmlns:a14="http://schemas.microsoft.com/office/drawing/2010/main" val="0"/>
+              </a:ext>
+            </a:extLst>
+          </a:blip>
+          <a:srcRect/>
+          <a:stretch>
+            <a:fillRect/>
+          </a:stretch>
+        </p:blipFill>
+        <p:spPr bwMode="auto">
+          <a:xfrm>
+            <a:off x="656167" y="1286934"/>
+            <a:ext cx="3818467" cy="154517"/>
+          </a:xfrm>
+          <a:prstGeom prst="rect">
+            <a:avLst/>
+          </a:prstGeom>
+          <a:noFill/>
+          <a:ln>
+            <a:noFill/>
+          </a:ln>
+          <a:extLst>
+            <a:ext uri="{909E8E84-426E-40DD-AFC4-6F175D3DCCD1}">
+              <a14:hiddenFill xmlns:a14="http://schemas.microsoft.com/office/drawing/2010/main">
+                <a:solidFill>
+                  <a:srgbClr val="FFFFFF"/>
+                </a:solidFill>
+              </a14:hiddenFill>
+            </a:ext>
+            <a:ext uri="{91240B29-F687-4F45-9708-019B960494DF}">
+              <a14:hiddenLine xmlns:a14="http://schemas.microsoft.com/office/drawing/2010/main" w="9525">
+                <a:solidFill>
+                  <a:srgbClr val="000000"/>
+                </a:solidFill>
+                <a:miter lim="800000"/>
+                <a:headEnd/>
+                <a:tailEnd/>
+              </a14:hiddenLine>
+            </a:ext>
+          </a:extLst>
+        </p:spPr>
+      </p:pic>
       <p:sp>
         <p:nvSpPr>
-          <p:cNvPr id="4" name="Text Placeholder 3"/>
-          <p:cNvSpPr>
-            <a:spLocks noGrp="1"/>
-          </p:cNvSpPr>
-          <p:nvPr>
-            <p:ph type="body" sz="quarter" idx="10"/>
-          </p:nvPr>
-        </p:nvSpPr>
-        <p:spPr>
-          <a:xfrm>
-            <a:off x="269239" y="1189177"/>
-            <a:ext cx="11653523" cy="2340897"/>
-          </a:xfrm>
-        </p:spPr>
-        <p:txBody>
-          <a:bodyPr>
-            <a:spAutoFit/>
-          </a:bodyPr>
-          <a:lstStyle>
-            <a:lvl1pPr>
-              <a:defRPr sz="3921"/>
-            </a:lvl1pPr>
-          </a:lstStyle>
-          <a:p>
-            <a:pPr lvl="0"/>
-            <a:r>
-              <a:rPr lang="en-US"/>
-              <a:t>Click to edit Master text styles</a:t>
-            </a:r>
-          </a:p>
-          <a:p>
-            <a:pPr lvl="1"/>
-            <a:r>
-              <a:rPr lang="en-US"/>
-              <a:t>Second level</a:t>
-            </a:r>
-          </a:p>
-          <a:p>
-            <a:pPr lvl="2"/>
-            <a:r>
-              <a:rPr lang="en-US"/>
-              <a:t>Third level</a:t>
-            </a:r>
-          </a:p>
-          <a:p>
-            <a:pPr lvl="3"/>
-            <a:r>
-              <a:rPr lang="en-US"/>
-              <a:t>Fourth level</a:t>
-            </a:r>
-          </a:p>
-          <a:p>
-            <a:pPr lvl="4"/>
-            <a:r>
-              <a:rPr lang="en-US"/>
-              <a:t>Fifth level</a:t>
-            </a:r>
-            <a:endParaRPr lang="en-US" dirty="0"/>
-          </a:p>
-        </p:txBody>
-      </p:sp>
-      <p:sp>
-        <p:nvSpPr>
-          <p:cNvPr id="6" name="Title 5"/>
+          <p:cNvPr id="2" name="Cím 1"/>
           <p:cNvSpPr>
             <a:spLocks noGrp="1"/>
           </p:cNvSpPr>
@@ -9849,11 +9740,118 @@
         <p:spPr/>
         <p:txBody>
           <a:bodyPr/>
-          <a:lstStyle/>
+          <a:lstStyle>
+            <a:lvl1pPr algn="l">
+              <a:defRPr>
+                <a:solidFill>
+                  <a:schemeClr val="tx1">
+                    <a:lumMod val="95000"/>
+                  </a:schemeClr>
+                </a:solidFill>
+              </a:defRPr>
+            </a:lvl1pPr>
+          </a:lstStyle>
           <a:p>
             <a:r>
-              <a:rPr lang="en-US"/>
-              <a:t>Click to edit Master title style</a:t>
+              <a:rPr lang="hu-HU" dirty="0"/>
+              <a:t>Mintacím szerkesztése</a:t>
+            </a:r>
+          </a:p>
+        </p:txBody>
+      </p:sp>
+      <p:sp>
+        <p:nvSpPr>
+          <p:cNvPr id="3" name="Tartalom helye 2"/>
+          <p:cNvSpPr>
+            <a:spLocks noGrp="1"/>
+          </p:cNvSpPr>
+          <p:nvPr>
+            <p:ph idx="1"/>
+          </p:nvPr>
+        </p:nvSpPr>
+        <p:spPr/>
+        <p:txBody>
+          <a:bodyPr/>
+          <a:lstStyle>
+            <a:lvl1pPr>
+              <a:defRPr>
+                <a:solidFill>
+                  <a:schemeClr val="tx1">
+                    <a:lumMod val="95000"/>
+                  </a:schemeClr>
+                </a:solidFill>
+              </a:defRPr>
+            </a:lvl1pPr>
+            <a:lvl2pPr>
+              <a:defRPr>
+                <a:solidFill>
+                  <a:schemeClr val="tx1">
+                    <a:lumMod val="95000"/>
+                  </a:schemeClr>
+                </a:solidFill>
+              </a:defRPr>
+            </a:lvl2pPr>
+            <a:lvl3pPr>
+              <a:defRPr>
+                <a:solidFill>
+                  <a:schemeClr val="tx1">
+                    <a:lumMod val="95000"/>
+                  </a:schemeClr>
+                </a:solidFill>
+              </a:defRPr>
+            </a:lvl3pPr>
+            <a:lvl4pPr>
+              <a:defRPr>
+                <a:solidFill>
+                  <a:schemeClr val="tx1">
+                    <a:lumMod val="95000"/>
+                  </a:schemeClr>
+                </a:solidFill>
+              </a:defRPr>
+            </a:lvl4pPr>
+            <a:lvl5pPr>
+              <a:defRPr>
+                <a:solidFill>
+                  <a:schemeClr val="tx1">
+                    <a:lumMod val="95000"/>
+                  </a:schemeClr>
+                </a:solidFill>
+              </a:defRPr>
+            </a:lvl5pPr>
+          </a:lstStyle>
+          <a:p>
+            <a:pPr lvl="0"/>
+            <a:r>
+              <a:rPr lang="hu-HU" dirty="0"/>
+              <a:t>Mintaszöveg szerkesztése</a:t>
+            </a:r>
+          </a:p>
+          <a:p>
+            <a:pPr lvl="1"/>
+            <a:r>
+              <a:rPr lang="hu-HU" dirty="0"/>
+              <a:t>Második szint</a:t>
+            </a:r>
+          </a:p>
+          <a:p>
+            <a:pPr lvl="2"/>
+            <a:r>
+              <a:rPr lang="hu-HU" dirty="0"/>
+              <a:t>Harmadik szint</a:t>
+            </a:r>
+          </a:p>
+          <a:p>
+            <a:pPr lvl="3"/>
+            <a:r>
+              <a:rPr lang="hu-HU" dirty="0"/>
+              <a:t>Negyedik szint</a:t>
+            </a:r>
+          </a:p>
+          <a:p>
+            <a:pPr lvl="4"/>
+            <a:r>
+              <a:rPr lang="hu-HU" dirty="0"/>
+              <a:t>Ötödik szint</a:t>
             </a:r>
           </a:p>
         </p:txBody>
@@ -9861,16 +9859,13 @@
     </p:spTree>
     <p:extLst>
       <p:ext uri="{BB962C8B-B14F-4D97-AF65-F5344CB8AC3E}">
-        <p14:creationId xmlns:p14="http://schemas.microsoft.com/office/powerpoint/2010/main" val="3524538183"/>
+        <p14:creationId xmlns:p14="http://schemas.microsoft.com/office/powerpoint/2010/main" val="2134037325"/>
       </p:ext>
     </p:extLst>
   </p:cSld>
   <p:clrMapOvr>
-    <a:overrideClrMapping bg1="lt1" tx1="dk1" bg2="lt2" tx2="dk2" accent1="accent1" accent2="accent2" accent3="accent3" accent4="accent4" accent5="accent5" accent6="accent6" hlink="hlink" folHlink="folHlink"/>
+    <a:masterClrMapping/>
   </p:clrMapOvr>
-  <p:transition>
-    <p:fade/>
-  </p:transition>
 </p:sldLayout>
 </file>
 
@@ -22885,39 +22880,7 @@
             <a:pPr lvl="1"/>
             <a:r>
               <a:rPr lang="hu-HU" dirty="0"/>
-              <a:t>Több virtuális gép létrehozása + kijelölt virtuális gépeken menedzsment szoftverek (</a:t>
-            </a:r>
-            <a:r>
-              <a:rPr lang="hu-HU" dirty="0" err="1"/>
-              <a:t>Docker</a:t>
-            </a:r>
-            <a:r>
-              <a:rPr lang="hu-HU" dirty="0"/>
-              <a:t> </a:t>
-            </a:r>
-            <a:r>
-              <a:rPr lang="hu-HU" dirty="0" err="1"/>
-              <a:t>swarm</a:t>
-            </a:r>
-            <a:r>
-              <a:rPr lang="hu-HU" dirty="0"/>
-              <a:t>, </a:t>
-            </a:r>
-            <a:r>
-              <a:rPr lang="hu-HU" dirty="0" err="1"/>
-              <a:t>Apache</a:t>
-            </a:r>
-            <a:r>
-              <a:rPr lang="hu-HU" dirty="0"/>
-              <a:t> </a:t>
-            </a:r>
-            <a:r>
-              <a:rPr lang="hu-HU" dirty="0" err="1"/>
-              <a:t>Mesos</a:t>
-            </a:r>
-            <a:r>
-              <a:rPr lang="hu-HU" dirty="0"/>
-              <a:t>)</a:t>
+              <a:t>Több virtuális gép létrehozása + kijelölt virtuális gépeken menedzsment szoftverek (Docker swarm, DC/OS)</a:t>
             </a:r>
           </a:p>
           <a:p>
@@ -23135,3372 +23098,6 @@
       </p:grpSpPr>
       <p:sp>
         <p:nvSpPr>
-          <p:cNvPr id="47" name="Rounded Rectangle 46"/>
-          <p:cNvSpPr/>
-          <p:nvPr/>
-        </p:nvSpPr>
-        <p:spPr bwMode="auto">
-          <a:xfrm>
-            <a:off x="4079044" y="759967"/>
-            <a:ext cx="6573782" cy="5999517"/>
-          </a:xfrm>
-          <a:prstGeom prst="roundRect">
-            <a:avLst/>
-          </a:prstGeom>
-          <a:solidFill>
-            <a:schemeClr val="tx2">
-              <a:lumMod val="65000"/>
-            </a:schemeClr>
-          </a:solidFill>
-          <a:ln>
-            <a:headEnd type="none" w="med" len="med"/>
-            <a:tailEnd type="none" w="med" len="med"/>
-          </a:ln>
-        </p:spPr>
-        <p:style>
-          <a:lnRef idx="2">
-            <a:schemeClr val="dk1"/>
-          </a:lnRef>
-          <a:fillRef idx="1">
-            <a:schemeClr val="lt1"/>
-          </a:fillRef>
-          <a:effectRef idx="0">
-            <a:schemeClr val="dk1"/>
-          </a:effectRef>
-          <a:fontRef idx="minor">
-            <a:schemeClr val="dk1"/>
-          </a:fontRef>
-        </p:style>
-        <p:txBody>
-          <a:bodyPr lIns="89630" tIns="89630" rIns="33615" bIns="33615" rtlCol="0" anchor="b" anchorCtr="0"/>
-          <a:lstStyle/>
-          <a:p>
-            <a:pPr algn="ctr" defTabSz="913862">
-              <a:defRPr/>
-            </a:pPr>
-            <a:endParaRPr lang="en-US" sz="784" dirty="0">
-              <a:gradFill>
-                <a:gsLst>
-                  <a:gs pos="0">
-                    <a:srgbClr val="FFFFFF"/>
-                  </a:gs>
-                  <a:gs pos="100000">
-                    <a:srgbClr val="FFFFFF"/>
-                  </a:gs>
-                </a:gsLst>
-                <a:lin ang="5400000" scaled="0"/>
-              </a:gradFill>
-              <a:latin typeface="Segoe UI"/>
-              <a:ea typeface="Segoe UI" pitchFamily="34" charset="0"/>
-              <a:cs typeface="Segoe UI" pitchFamily="34" charset="0"/>
-            </a:endParaRPr>
-          </a:p>
-        </p:txBody>
-      </p:sp>
-      <p:sp>
-        <p:nvSpPr>
-          <p:cNvPr id="42" name="Rectangle 41"/>
-          <p:cNvSpPr/>
-          <p:nvPr/>
-        </p:nvSpPr>
-        <p:spPr bwMode="auto">
-          <a:xfrm>
-            <a:off x="8028761" y="1040292"/>
-            <a:ext cx="1511564" cy="585542"/>
-          </a:xfrm>
-          <a:prstGeom prst="rect">
-            <a:avLst/>
-          </a:prstGeom>
-          <a:solidFill>
-            <a:schemeClr val="tx1"/>
-          </a:solidFill>
-          <a:ln>
-            <a:noFill/>
-            <a:headEnd type="none" w="med" len="med"/>
-            <a:tailEnd type="none" w="med" len="med"/>
-          </a:ln>
-          <a:effectLst/>
-        </p:spPr>
-        <p:style>
-          <a:lnRef idx="1">
-            <a:schemeClr val="accent2"/>
-          </a:lnRef>
-          <a:fillRef idx="3">
-            <a:schemeClr val="accent2"/>
-          </a:fillRef>
-          <a:effectRef idx="2">
-            <a:schemeClr val="accent2"/>
-          </a:effectRef>
-          <a:fontRef idx="minor">
-            <a:schemeClr val="lt1"/>
-          </a:fontRef>
-        </p:style>
-        <p:txBody>
-          <a:bodyPr rot="0" spcFirstLastPara="0" vertOverflow="overflow" horzOverflow="overflow" vert="horz" wrap="square" lIns="182854" tIns="146284" rIns="182854" bIns="146284" numCol="1" spcCol="0" rtlCol="0" fromWordArt="0" anchor="t" anchorCtr="0" forceAA="0" compatLnSpc="1">
-            <a:prstTxWarp prst="textNoShape">
-              <a:avLst/>
-            </a:prstTxWarp>
-            <a:noAutofit/>
-          </a:bodyPr>
-          <a:lstStyle/>
-          <a:p>
-            <a:pPr algn="ctr" defTabSz="932293" fontAlgn="base">
-              <a:lnSpc>
-                <a:spcPct val="90000"/>
-              </a:lnSpc>
-              <a:spcBef>
-                <a:spcPct val="0"/>
-              </a:spcBef>
-              <a:spcAft>
-                <a:spcPct val="0"/>
-              </a:spcAft>
-              <a:defRPr/>
-            </a:pPr>
-            <a:endParaRPr lang="en-US" sz="2400" dirty="0" err="1">
-              <a:gradFill>
-                <a:gsLst>
-                  <a:gs pos="0">
-                    <a:srgbClr val="FFFFFF"/>
-                  </a:gs>
-                  <a:gs pos="100000">
-                    <a:srgbClr val="FFFFFF"/>
-                  </a:gs>
-                </a:gsLst>
-                <a:lin ang="5400000" scaled="0"/>
-              </a:gradFill>
-              <a:latin typeface="Segoe UI"/>
-              <a:ea typeface="Segoe UI" pitchFamily="34" charset="0"/>
-              <a:cs typeface="Segoe UI" pitchFamily="34" charset="0"/>
-            </a:endParaRPr>
-          </a:p>
-        </p:txBody>
-      </p:sp>
-      <p:pic>
-        <p:nvPicPr>
-          <p:cNvPr id="46" name="Picture 45"/>
-          <p:cNvPicPr>
-            <a:picLocks noChangeAspect="1"/>
-          </p:cNvPicPr>
-          <p:nvPr/>
-        </p:nvPicPr>
-        <p:blipFill>
-          <a:blip r:embed="rId3">
-            <a:extLst>
-              <a:ext uri="{28A0092B-C50C-407E-A947-70E740481C1C}">
-                <a14:useLocalDpi xmlns:a14="http://schemas.microsoft.com/office/drawing/2010/main" val="0"/>
-              </a:ext>
-            </a:extLst>
-          </a:blip>
-          <a:stretch>
-            <a:fillRect/>
-          </a:stretch>
-        </p:blipFill>
-        <p:spPr>
-          <a:xfrm>
-            <a:off x="2433169" y="726424"/>
-            <a:ext cx="8309536" cy="6131089"/>
-          </a:xfrm>
-          <a:prstGeom prst="rect">
-            <a:avLst/>
-          </a:prstGeom>
-          <a:solidFill>
-            <a:srgbClr val="F8F8F8"/>
-          </a:solidFill>
-        </p:spPr>
-      </p:pic>
-      <p:sp>
-        <p:nvSpPr>
-          <p:cNvPr id="17" name="Rounded Rectangle 16"/>
-          <p:cNvSpPr/>
-          <p:nvPr/>
-        </p:nvSpPr>
-        <p:spPr bwMode="auto">
-          <a:xfrm>
-            <a:off x="545393" y="3828291"/>
-            <a:ext cx="1030483" cy="2249785"/>
-          </a:xfrm>
-          <a:prstGeom prst="roundRect">
-            <a:avLst/>
-          </a:prstGeom>
-          <a:solidFill>
-            <a:schemeClr val="tx2">
-              <a:lumMod val="65000"/>
-            </a:schemeClr>
-          </a:solidFill>
-          <a:ln>
-            <a:headEnd type="none" w="med" len="med"/>
-            <a:tailEnd type="none" w="med" len="med"/>
-          </a:ln>
-        </p:spPr>
-        <p:style>
-          <a:lnRef idx="2">
-            <a:schemeClr val="dk1"/>
-          </a:lnRef>
-          <a:fillRef idx="1">
-            <a:schemeClr val="lt1"/>
-          </a:fillRef>
-          <a:effectRef idx="0">
-            <a:schemeClr val="dk1"/>
-          </a:effectRef>
-          <a:fontRef idx="minor">
-            <a:schemeClr val="dk1"/>
-          </a:fontRef>
-        </p:style>
-        <p:txBody>
-          <a:bodyPr lIns="89630" tIns="89630" rIns="33615" bIns="33615" rtlCol="0" anchor="b" anchorCtr="0"/>
-          <a:lstStyle/>
-          <a:p>
-            <a:pPr algn="ctr" defTabSz="913862">
-              <a:defRPr/>
-            </a:pPr>
-            <a:endParaRPr lang="en-US" sz="784" dirty="0">
-              <a:gradFill>
-                <a:gsLst>
-                  <a:gs pos="0">
-                    <a:srgbClr val="FFFFFF"/>
-                  </a:gs>
-                  <a:gs pos="100000">
-                    <a:srgbClr val="FFFFFF"/>
-                  </a:gs>
-                </a:gsLst>
-                <a:lin ang="5400000" scaled="0"/>
-              </a:gradFill>
-              <a:latin typeface="Segoe UI"/>
-              <a:ea typeface="Segoe UI" pitchFamily="34" charset="0"/>
-              <a:cs typeface="Segoe UI" pitchFamily="34" charset="0"/>
-            </a:endParaRPr>
-          </a:p>
-        </p:txBody>
-      </p:sp>
-      <p:sp>
-        <p:nvSpPr>
-          <p:cNvPr id="18" name="Rounded Rectangle 17"/>
-          <p:cNvSpPr/>
-          <p:nvPr/>
-        </p:nvSpPr>
-        <p:spPr bwMode="auto">
-          <a:xfrm>
-            <a:off x="582881" y="889491"/>
-            <a:ext cx="1030483" cy="2304264"/>
-          </a:xfrm>
-          <a:prstGeom prst="roundRect">
-            <a:avLst/>
-          </a:prstGeom>
-          <a:solidFill>
-            <a:schemeClr val="tx2">
-              <a:lumMod val="65000"/>
-            </a:schemeClr>
-          </a:solidFill>
-          <a:ln>
-            <a:headEnd type="none" w="med" len="med"/>
-            <a:tailEnd type="none" w="med" len="med"/>
-          </a:ln>
-        </p:spPr>
-        <p:style>
-          <a:lnRef idx="2">
-            <a:schemeClr val="dk1"/>
-          </a:lnRef>
-          <a:fillRef idx="1">
-            <a:schemeClr val="lt1"/>
-          </a:fillRef>
-          <a:effectRef idx="0">
-            <a:schemeClr val="dk1"/>
-          </a:effectRef>
-          <a:fontRef idx="minor">
-            <a:schemeClr val="dk1"/>
-          </a:fontRef>
-        </p:style>
-        <p:txBody>
-          <a:bodyPr lIns="89630" tIns="89630" rIns="33615" bIns="33615" rtlCol="0" anchor="b" anchorCtr="0"/>
-          <a:lstStyle/>
-          <a:p>
-            <a:pPr algn="ctr" defTabSz="913862">
-              <a:defRPr/>
-            </a:pPr>
-            <a:endParaRPr lang="en-US" sz="784" dirty="0">
-              <a:gradFill>
-                <a:gsLst>
-                  <a:gs pos="0">
-                    <a:srgbClr val="FFFFFF"/>
-                  </a:gs>
-                  <a:gs pos="100000">
-                    <a:srgbClr val="FFFFFF"/>
-                  </a:gs>
-                </a:gsLst>
-                <a:lin ang="5400000" scaled="0"/>
-              </a:gradFill>
-              <a:latin typeface="Segoe UI"/>
-              <a:ea typeface="Segoe UI" pitchFamily="34" charset="0"/>
-              <a:cs typeface="Segoe UI" pitchFamily="34" charset="0"/>
-            </a:endParaRPr>
-          </a:p>
-        </p:txBody>
-      </p:sp>
-      <p:sp>
-        <p:nvSpPr>
-          <p:cNvPr id="19" name="Hexagon 18"/>
-          <p:cNvSpPr/>
-          <p:nvPr/>
-        </p:nvSpPr>
-        <p:spPr bwMode="auto">
-          <a:xfrm>
-            <a:off x="907166" y="1132554"/>
-            <a:ext cx="359411" cy="303781"/>
-          </a:xfrm>
-          <a:prstGeom prst="hexagon">
-            <a:avLst/>
-          </a:prstGeom>
-          <a:solidFill>
-            <a:srgbClr val="FF0000"/>
-          </a:solidFill>
-          <a:ln>
-            <a:noFill/>
-            <a:headEnd type="none" w="med" len="med"/>
-            <a:tailEnd type="none" w="med" len="med"/>
-          </a:ln>
-          <a:effectLst/>
-        </p:spPr>
-        <p:style>
-          <a:lnRef idx="1">
-            <a:schemeClr val="accent2"/>
-          </a:lnRef>
-          <a:fillRef idx="3">
-            <a:schemeClr val="accent2"/>
-          </a:fillRef>
-          <a:effectRef idx="2">
-            <a:schemeClr val="accent2"/>
-          </a:effectRef>
-          <a:fontRef idx="minor">
-            <a:schemeClr val="lt1"/>
-          </a:fontRef>
-        </p:style>
-        <p:txBody>
-          <a:bodyPr lIns="89630" tIns="89630" rIns="33615" bIns="33615" rtlCol="0" anchor="b" anchorCtr="0"/>
-          <a:lstStyle/>
-          <a:p>
-            <a:pPr algn="ctr" defTabSz="913862">
-              <a:defRPr/>
-            </a:pPr>
-            <a:endParaRPr lang="en-US" sz="784" dirty="0">
-              <a:gradFill>
-                <a:gsLst>
-                  <a:gs pos="0">
-                    <a:srgbClr val="FFFFFF"/>
-                  </a:gs>
-                  <a:gs pos="100000">
-                    <a:srgbClr val="FFFFFF"/>
-                  </a:gs>
-                </a:gsLst>
-                <a:lin ang="5400000" scaled="0"/>
-              </a:gradFill>
-              <a:latin typeface="Segoe UI"/>
-              <a:ea typeface="Segoe UI" pitchFamily="34" charset="0"/>
-              <a:cs typeface="Segoe UI" pitchFamily="34" charset="0"/>
-            </a:endParaRPr>
-          </a:p>
-        </p:txBody>
-      </p:sp>
-      <p:sp>
-        <p:nvSpPr>
-          <p:cNvPr id="20" name="Hexagon 19"/>
-          <p:cNvSpPr/>
-          <p:nvPr/>
-        </p:nvSpPr>
-        <p:spPr bwMode="auto">
-          <a:xfrm>
-            <a:off x="904366" y="1132554"/>
-            <a:ext cx="359411" cy="303781"/>
-          </a:xfrm>
-          <a:prstGeom prst="hexagon">
-            <a:avLst/>
-          </a:prstGeom>
-          <a:solidFill>
-            <a:srgbClr val="FF0000"/>
-          </a:solidFill>
-          <a:ln>
-            <a:noFill/>
-            <a:headEnd type="none" w="med" len="med"/>
-            <a:tailEnd type="none" w="med" len="med"/>
-          </a:ln>
-          <a:effectLst/>
-        </p:spPr>
-        <p:style>
-          <a:lnRef idx="1">
-            <a:schemeClr val="accent2"/>
-          </a:lnRef>
-          <a:fillRef idx="3">
-            <a:schemeClr val="accent2"/>
-          </a:fillRef>
-          <a:effectRef idx="2">
-            <a:schemeClr val="accent2"/>
-          </a:effectRef>
-          <a:fontRef idx="minor">
-            <a:schemeClr val="lt1"/>
-          </a:fontRef>
-        </p:style>
-        <p:txBody>
-          <a:bodyPr lIns="89630" tIns="89630" rIns="33615" bIns="33615" rtlCol="0" anchor="b" anchorCtr="0"/>
-          <a:lstStyle/>
-          <a:p>
-            <a:pPr algn="ctr" defTabSz="913862">
-              <a:defRPr/>
-            </a:pPr>
-            <a:endParaRPr lang="en-US" sz="784" dirty="0">
-              <a:gradFill>
-                <a:gsLst>
-                  <a:gs pos="0">
-                    <a:srgbClr val="FFFFFF"/>
-                  </a:gs>
-                  <a:gs pos="100000">
-                    <a:srgbClr val="FFFFFF"/>
-                  </a:gs>
-                </a:gsLst>
-                <a:lin ang="5400000" scaled="0"/>
-              </a:gradFill>
-              <a:latin typeface="Segoe UI"/>
-              <a:ea typeface="Segoe UI" pitchFamily="34" charset="0"/>
-              <a:cs typeface="Segoe UI" pitchFamily="34" charset="0"/>
-            </a:endParaRPr>
-          </a:p>
-        </p:txBody>
-      </p:sp>
-      <p:sp>
-        <p:nvSpPr>
-          <p:cNvPr id="21" name="Hexagon 20"/>
-          <p:cNvSpPr/>
-          <p:nvPr/>
-        </p:nvSpPr>
-        <p:spPr bwMode="auto">
-          <a:xfrm>
-            <a:off x="897270" y="1128594"/>
-            <a:ext cx="359411" cy="303781"/>
-          </a:xfrm>
-          <a:prstGeom prst="hexagon">
-            <a:avLst/>
-          </a:prstGeom>
-          <a:solidFill>
-            <a:srgbClr val="FF0000"/>
-          </a:solidFill>
-          <a:ln>
-            <a:noFill/>
-            <a:headEnd type="none" w="med" len="med"/>
-            <a:tailEnd type="none" w="med" len="med"/>
-          </a:ln>
-          <a:effectLst/>
-        </p:spPr>
-        <p:style>
-          <a:lnRef idx="1">
-            <a:schemeClr val="accent2"/>
-          </a:lnRef>
-          <a:fillRef idx="3">
-            <a:schemeClr val="accent2"/>
-          </a:fillRef>
-          <a:effectRef idx="2">
-            <a:schemeClr val="accent2"/>
-          </a:effectRef>
-          <a:fontRef idx="minor">
-            <a:schemeClr val="lt1"/>
-          </a:fontRef>
-        </p:style>
-        <p:txBody>
-          <a:bodyPr lIns="89630" tIns="89630" rIns="33615" bIns="33615" rtlCol="0" anchor="b" anchorCtr="0"/>
-          <a:lstStyle/>
-          <a:p>
-            <a:pPr algn="ctr" defTabSz="913862">
-              <a:defRPr/>
-            </a:pPr>
-            <a:endParaRPr lang="en-US" sz="784" dirty="0">
-              <a:gradFill>
-                <a:gsLst>
-                  <a:gs pos="0">
-                    <a:srgbClr val="FFFFFF"/>
-                  </a:gs>
-                  <a:gs pos="100000">
-                    <a:srgbClr val="FFFFFF"/>
-                  </a:gs>
-                </a:gsLst>
-                <a:lin ang="5400000" scaled="0"/>
-              </a:gradFill>
-              <a:latin typeface="Segoe UI"/>
-              <a:ea typeface="Segoe UI" pitchFamily="34" charset="0"/>
-              <a:cs typeface="Segoe UI" pitchFamily="34" charset="0"/>
-            </a:endParaRPr>
-          </a:p>
-        </p:txBody>
-      </p:sp>
-      <p:sp>
-        <p:nvSpPr>
-          <p:cNvPr id="22" name="Hexagon 21"/>
-          <p:cNvSpPr/>
-          <p:nvPr/>
-        </p:nvSpPr>
-        <p:spPr bwMode="auto">
-          <a:xfrm>
-            <a:off x="907166" y="1876042"/>
-            <a:ext cx="359411" cy="303781"/>
-          </a:xfrm>
-          <a:prstGeom prst="hexagon">
-            <a:avLst/>
-          </a:prstGeom>
-          <a:solidFill>
-            <a:srgbClr val="92D050"/>
-          </a:solidFill>
-          <a:ln>
-            <a:noFill/>
-            <a:headEnd type="none" w="med" len="med"/>
-            <a:tailEnd type="none" w="med" len="med"/>
-          </a:ln>
-          <a:effectLst/>
-        </p:spPr>
-        <p:style>
-          <a:lnRef idx="1">
-            <a:schemeClr val="accent2"/>
-          </a:lnRef>
-          <a:fillRef idx="3">
-            <a:schemeClr val="accent2"/>
-          </a:fillRef>
-          <a:effectRef idx="2">
-            <a:schemeClr val="accent2"/>
-          </a:effectRef>
-          <a:fontRef idx="minor">
-            <a:schemeClr val="lt1"/>
-          </a:fontRef>
-        </p:style>
-        <p:txBody>
-          <a:bodyPr lIns="89630" tIns="89630" rIns="33615" bIns="33615" rtlCol="0" anchor="b" anchorCtr="0"/>
-          <a:lstStyle/>
-          <a:p>
-            <a:pPr algn="ctr" defTabSz="913862">
-              <a:defRPr/>
-            </a:pPr>
-            <a:endParaRPr lang="en-US" sz="784" dirty="0">
-              <a:gradFill>
-                <a:gsLst>
-                  <a:gs pos="0">
-                    <a:srgbClr val="FFFFFF"/>
-                  </a:gs>
-                  <a:gs pos="100000">
-                    <a:srgbClr val="FFFFFF"/>
-                  </a:gs>
-                </a:gsLst>
-                <a:lin ang="5400000" scaled="0"/>
-              </a:gradFill>
-              <a:latin typeface="Segoe UI"/>
-              <a:ea typeface="Segoe UI" pitchFamily="34" charset="0"/>
-              <a:cs typeface="Segoe UI" pitchFamily="34" charset="0"/>
-            </a:endParaRPr>
-          </a:p>
-        </p:txBody>
-      </p:sp>
-      <p:sp>
-        <p:nvSpPr>
-          <p:cNvPr id="23" name="Hexagon 22"/>
-          <p:cNvSpPr/>
-          <p:nvPr/>
-        </p:nvSpPr>
-        <p:spPr bwMode="auto">
-          <a:xfrm>
-            <a:off x="925131" y="1876042"/>
-            <a:ext cx="359411" cy="303781"/>
-          </a:xfrm>
-          <a:prstGeom prst="hexagon">
-            <a:avLst/>
-          </a:prstGeom>
-          <a:solidFill>
-            <a:srgbClr val="92D050"/>
-          </a:solidFill>
-          <a:ln>
-            <a:noFill/>
-            <a:headEnd type="none" w="med" len="med"/>
-            <a:tailEnd type="none" w="med" len="med"/>
-          </a:ln>
-          <a:effectLst/>
-        </p:spPr>
-        <p:style>
-          <a:lnRef idx="1">
-            <a:schemeClr val="accent2"/>
-          </a:lnRef>
-          <a:fillRef idx="3">
-            <a:schemeClr val="accent2"/>
-          </a:fillRef>
-          <a:effectRef idx="2">
-            <a:schemeClr val="accent2"/>
-          </a:effectRef>
-          <a:fontRef idx="minor">
-            <a:schemeClr val="lt1"/>
-          </a:fontRef>
-        </p:style>
-        <p:txBody>
-          <a:bodyPr lIns="89630" tIns="89630" rIns="33615" bIns="33615" rtlCol="0" anchor="b" anchorCtr="0"/>
-          <a:lstStyle/>
-          <a:p>
-            <a:pPr algn="ctr" defTabSz="913862">
-              <a:defRPr/>
-            </a:pPr>
-            <a:endParaRPr lang="en-US" sz="784" dirty="0">
-              <a:gradFill>
-                <a:gsLst>
-                  <a:gs pos="0">
-                    <a:srgbClr val="FFFFFF"/>
-                  </a:gs>
-                  <a:gs pos="100000">
-                    <a:srgbClr val="FFFFFF"/>
-                  </a:gs>
-                </a:gsLst>
-                <a:lin ang="5400000" scaled="0"/>
-              </a:gradFill>
-              <a:latin typeface="Segoe UI"/>
-              <a:ea typeface="Segoe UI" pitchFamily="34" charset="0"/>
-              <a:cs typeface="Segoe UI" pitchFamily="34" charset="0"/>
-            </a:endParaRPr>
-          </a:p>
-        </p:txBody>
-      </p:sp>
-      <p:sp>
-        <p:nvSpPr>
-          <p:cNvPr id="24" name="Hexagon 23"/>
-          <p:cNvSpPr/>
-          <p:nvPr/>
-        </p:nvSpPr>
-        <p:spPr bwMode="auto">
-          <a:xfrm>
-            <a:off x="925131" y="1878305"/>
-            <a:ext cx="359411" cy="303781"/>
-          </a:xfrm>
-          <a:prstGeom prst="hexagon">
-            <a:avLst/>
-          </a:prstGeom>
-          <a:solidFill>
-            <a:srgbClr val="92D050"/>
-          </a:solidFill>
-          <a:ln>
-            <a:noFill/>
-            <a:headEnd type="none" w="med" len="med"/>
-            <a:tailEnd type="none" w="med" len="med"/>
-          </a:ln>
-          <a:effectLst/>
-        </p:spPr>
-        <p:style>
-          <a:lnRef idx="1">
-            <a:schemeClr val="accent2"/>
-          </a:lnRef>
-          <a:fillRef idx="3">
-            <a:schemeClr val="accent2"/>
-          </a:fillRef>
-          <a:effectRef idx="2">
-            <a:schemeClr val="accent2"/>
-          </a:effectRef>
-          <a:fontRef idx="minor">
-            <a:schemeClr val="lt1"/>
-          </a:fontRef>
-        </p:style>
-        <p:txBody>
-          <a:bodyPr lIns="89630" tIns="89630" rIns="33615" bIns="33615" rtlCol="0" anchor="b" anchorCtr="0"/>
-          <a:lstStyle/>
-          <a:p>
-            <a:pPr algn="ctr" defTabSz="913862">
-              <a:defRPr/>
-            </a:pPr>
-            <a:endParaRPr lang="en-US" sz="784" dirty="0">
-              <a:gradFill>
-                <a:gsLst>
-                  <a:gs pos="0">
-                    <a:srgbClr val="FFFFFF"/>
-                  </a:gs>
-                  <a:gs pos="100000">
-                    <a:srgbClr val="FFFFFF"/>
-                  </a:gs>
-                </a:gsLst>
-                <a:lin ang="5400000" scaled="0"/>
-              </a:gradFill>
-              <a:latin typeface="Segoe UI"/>
-              <a:ea typeface="Segoe UI" pitchFamily="34" charset="0"/>
-              <a:cs typeface="Segoe UI" pitchFamily="34" charset="0"/>
-            </a:endParaRPr>
-          </a:p>
-        </p:txBody>
-      </p:sp>
-      <p:sp>
-        <p:nvSpPr>
-          <p:cNvPr id="25" name="Hexagon 24"/>
-          <p:cNvSpPr/>
-          <p:nvPr/>
-        </p:nvSpPr>
-        <p:spPr bwMode="auto">
-          <a:xfrm>
-            <a:off x="907166" y="2603364"/>
-            <a:ext cx="359411" cy="303781"/>
-          </a:xfrm>
-          <a:prstGeom prst="hexagon">
-            <a:avLst/>
-          </a:prstGeom>
-          <a:solidFill>
-            <a:srgbClr val="FFC000"/>
-          </a:solidFill>
-          <a:ln>
-            <a:noFill/>
-            <a:headEnd type="none" w="med" len="med"/>
-            <a:tailEnd type="none" w="med" len="med"/>
-          </a:ln>
-          <a:effectLst/>
-        </p:spPr>
-        <p:style>
-          <a:lnRef idx="1">
-            <a:schemeClr val="accent2"/>
-          </a:lnRef>
-          <a:fillRef idx="3">
-            <a:schemeClr val="accent2"/>
-          </a:fillRef>
-          <a:effectRef idx="2">
-            <a:schemeClr val="accent2"/>
-          </a:effectRef>
-          <a:fontRef idx="minor">
-            <a:schemeClr val="lt1"/>
-          </a:fontRef>
-        </p:style>
-        <p:txBody>
-          <a:bodyPr lIns="89630" tIns="89630" rIns="33615" bIns="33615" rtlCol="0" anchor="b" anchorCtr="0"/>
-          <a:lstStyle/>
-          <a:p>
-            <a:pPr algn="ctr" defTabSz="913862">
-              <a:defRPr/>
-            </a:pPr>
-            <a:endParaRPr lang="en-US" sz="784" dirty="0">
-              <a:gradFill>
-                <a:gsLst>
-                  <a:gs pos="0">
-                    <a:srgbClr val="FFFFFF"/>
-                  </a:gs>
-                  <a:gs pos="100000">
-                    <a:srgbClr val="FFFFFF"/>
-                  </a:gs>
-                </a:gsLst>
-                <a:lin ang="5400000" scaled="0"/>
-              </a:gradFill>
-              <a:latin typeface="Segoe UI"/>
-              <a:ea typeface="Segoe UI" pitchFamily="34" charset="0"/>
-              <a:cs typeface="Segoe UI" pitchFamily="34" charset="0"/>
-            </a:endParaRPr>
-          </a:p>
-        </p:txBody>
-      </p:sp>
-      <p:sp>
-        <p:nvSpPr>
-          <p:cNvPr id="26" name="Hexagon 25"/>
-          <p:cNvSpPr/>
-          <p:nvPr/>
-        </p:nvSpPr>
-        <p:spPr bwMode="auto">
-          <a:xfrm>
-            <a:off x="925131" y="2603364"/>
-            <a:ext cx="359411" cy="303781"/>
-          </a:xfrm>
-          <a:prstGeom prst="hexagon">
-            <a:avLst/>
-          </a:prstGeom>
-          <a:solidFill>
-            <a:srgbClr val="FFC000"/>
-          </a:solidFill>
-          <a:ln>
-            <a:noFill/>
-            <a:headEnd type="none" w="med" len="med"/>
-            <a:tailEnd type="none" w="med" len="med"/>
-          </a:ln>
-          <a:effectLst/>
-        </p:spPr>
-        <p:style>
-          <a:lnRef idx="1">
-            <a:schemeClr val="accent2"/>
-          </a:lnRef>
-          <a:fillRef idx="3">
-            <a:schemeClr val="accent2"/>
-          </a:fillRef>
-          <a:effectRef idx="2">
-            <a:schemeClr val="accent2"/>
-          </a:effectRef>
-          <a:fontRef idx="minor">
-            <a:schemeClr val="lt1"/>
-          </a:fontRef>
-        </p:style>
-        <p:txBody>
-          <a:bodyPr lIns="89630" tIns="89630" rIns="33615" bIns="33615" rtlCol="0" anchor="b" anchorCtr="0"/>
-          <a:lstStyle/>
-          <a:p>
-            <a:pPr algn="ctr" defTabSz="913862">
-              <a:defRPr/>
-            </a:pPr>
-            <a:endParaRPr lang="en-US" sz="784" dirty="0">
-              <a:gradFill>
-                <a:gsLst>
-                  <a:gs pos="0">
-                    <a:srgbClr val="FFFFFF"/>
-                  </a:gs>
-                  <a:gs pos="100000">
-                    <a:srgbClr val="FFFFFF"/>
-                  </a:gs>
-                </a:gsLst>
-                <a:lin ang="5400000" scaled="0"/>
-              </a:gradFill>
-              <a:latin typeface="Segoe UI"/>
-              <a:ea typeface="Segoe UI" pitchFamily="34" charset="0"/>
-              <a:cs typeface="Segoe UI" pitchFamily="34" charset="0"/>
-            </a:endParaRPr>
-          </a:p>
-        </p:txBody>
-      </p:sp>
-      <p:sp>
-        <p:nvSpPr>
-          <p:cNvPr id="27" name="Hexagon 26"/>
-          <p:cNvSpPr/>
-          <p:nvPr/>
-        </p:nvSpPr>
-        <p:spPr bwMode="auto">
-          <a:xfrm>
-            <a:off x="925131" y="2605628"/>
-            <a:ext cx="359411" cy="303781"/>
-          </a:xfrm>
-          <a:prstGeom prst="hexagon">
-            <a:avLst/>
-          </a:prstGeom>
-          <a:solidFill>
-            <a:srgbClr val="FFC000"/>
-          </a:solidFill>
-          <a:ln>
-            <a:noFill/>
-            <a:headEnd type="none" w="med" len="med"/>
-            <a:tailEnd type="none" w="med" len="med"/>
-          </a:ln>
-          <a:effectLst/>
-        </p:spPr>
-        <p:style>
-          <a:lnRef idx="1">
-            <a:schemeClr val="accent2"/>
-          </a:lnRef>
-          <a:fillRef idx="3">
-            <a:schemeClr val="accent2"/>
-          </a:fillRef>
-          <a:effectRef idx="2">
-            <a:schemeClr val="accent2"/>
-          </a:effectRef>
-          <a:fontRef idx="minor">
-            <a:schemeClr val="lt1"/>
-          </a:fontRef>
-        </p:style>
-        <p:txBody>
-          <a:bodyPr lIns="89630" tIns="89630" rIns="33615" bIns="33615" rtlCol="0" anchor="b" anchorCtr="0"/>
-          <a:lstStyle/>
-          <a:p>
-            <a:pPr algn="ctr" defTabSz="913862">
-              <a:defRPr/>
-            </a:pPr>
-            <a:endParaRPr lang="en-US" sz="784" dirty="0">
-              <a:gradFill>
-                <a:gsLst>
-                  <a:gs pos="0">
-                    <a:srgbClr val="FFFFFF"/>
-                  </a:gs>
-                  <a:gs pos="100000">
-                    <a:srgbClr val="FFFFFF"/>
-                  </a:gs>
-                </a:gsLst>
-                <a:lin ang="5400000" scaled="0"/>
-              </a:gradFill>
-              <a:latin typeface="Segoe UI"/>
-              <a:ea typeface="Segoe UI" pitchFamily="34" charset="0"/>
-              <a:cs typeface="Segoe UI" pitchFamily="34" charset="0"/>
-            </a:endParaRPr>
-          </a:p>
-        </p:txBody>
-      </p:sp>
-      <p:sp>
-        <p:nvSpPr>
-          <p:cNvPr id="28" name="Hexagon 27"/>
-          <p:cNvSpPr/>
-          <p:nvPr/>
-        </p:nvSpPr>
-        <p:spPr bwMode="auto">
-          <a:xfrm>
-            <a:off x="856760" y="4111494"/>
-            <a:ext cx="358519" cy="304740"/>
-          </a:xfrm>
-          <a:prstGeom prst="hexagon">
-            <a:avLst/>
-          </a:prstGeom>
-          <a:solidFill>
-            <a:srgbClr val="002060"/>
-          </a:solidFill>
-          <a:ln>
-            <a:noFill/>
-            <a:headEnd type="none" w="med" len="med"/>
-            <a:tailEnd type="none" w="med" len="med"/>
-          </a:ln>
-          <a:effectLst/>
-        </p:spPr>
-        <p:style>
-          <a:lnRef idx="1">
-            <a:schemeClr val="accent2"/>
-          </a:lnRef>
-          <a:fillRef idx="3">
-            <a:schemeClr val="accent2"/>
-          </a:fillRef>
-          <a:effectRef idx="2">
-            <a:schemeClr val="accent2"/>
-          </a:effectRef>
-          <a:fontRef idx="minor">
-            <a:schemeClr val="lt1"/>
-          </a:fontRef>
-        </p:style>
-        <p:txBody>
-          <a:bodyPr lIns="89630" tIns="89630" rIns="33615" bIns="33615" rtlCol="0" anchor="b" anchorCtr="0"/>
-          <a:lstStyle/>
-          <a:p>
-            <a:pPr algn="ctr" defTabSz="913862">
-              <a:defRPr/>
-            </a:pPr>
-            <a:endParaRPr lang="en-US" sz="784" dirty="0">
-              <a:gradFill>
-                <a:gsLst>
-                  <a:gs pos="0">
-                    <a:srgbClr val="FFFFFF"/>
-                  </a:gs>
-                  <a:gs pos="100000">
-                    <a:srgbClr val="FFFFFF"/>
-                  </a:gs>
-                </a:gsLst>
-                <a:lin ang="5400000" scaled="0"/>
-              </a:gradFill>
-              <a:latin typeface="Segoe UI"/>
-              <a:ea typeface="Segoe UI" pitchFamily="34" charset="0"/>
-              <a:cs typeface="Segoe UI" pitchFamily="34" charset="0"/>
-            </a:endParaRPr>
-          </a:p>
-        </p:txBody>
-      </p:sp>
-      <p:sp>
-        <p:nvSpPr>
-          <p:cNvPr id="29" name="Hexagon 28"/>
-          <p:cNvSpPr/>
-          <p:nvPr/>
-        </p:nvSpPr>
-        <p:spPr bwMode="auto">
-          <a:xfrm>
-            <a:off x="874724" y="4111494"/>
-            <a:ext cx="358519" cy="304740"/>
-          </a:xfrm>
-          <a:prstGeom prst="hexagon">
-            <a:avLst/>
-          </a:prstGeom>
-          <a:solidFill>
-            <a:srgbClr val="002060"/>
-          </a:solidFill>
-          <a:ln>
-            <a:noFill/>
-            <a:headEnd type="none" w="med" len="med"/>
-            <a:tailEnd type="none" w="med" len="med"/>
-          </a:ln>
-          <a:effectLst/>
-        </p:spPr>
-        <p:style>
-          <a:lnRef idx="1">
-            <a:schemeClr val="accent2"/>
-          </a:lnRef>
-          <a:fillRef idx="3">
-            <a:schemeClr val="accent2"/>
-          </a:fillRef>
-          <a:effectRef idx="2">
-            <a:schemeClr val="accent2"/>
-          </a:effectRef>
-          <a:fontRef idx="minor">
-            <a:schemeClr val="lt1"/>
-          </a:fontRef>
-        </p:style>
-        <p:txBody>
-          <a:bodyPr lIns="89630" tIns="89630" rIns="33615" bIns="33615" rtlCol="0" anchor="b" anchorCtr="0"/>
-          <a:lstStyle/>
-          <a:p>
-            <a:pPr algn="ctr" defTabSz="913862">
-              <a:defRPr/>
-            </a:pPr>
-            <a:endParaRPr lang="en-US" sz="784" dirty="0">
-              <a:gradFill>
-                <a:gsLst>
-                  <a:gs pos="0">
-                    <a:srgbClr val="FFFFFF"/>
-                  </a:gs>
-                  <a:gs pos="100000">
-                    <a:srgbClr val="FFFFFF"/>
-                  </a:gs>
-                </a:gsLst>
-                <a:lin ang="5400000" scaled="0"/>
-              </a:gradFill>
-              <a:latin typeface="Segoe UI"/>
-              <a:ea typeface="Segoe UI" pitchFamily="34" charset="0"/>
-              <a:cs typeface="Segoe UI" pitchFamily="34" charset="0"/>
-            </a:endParaRPr>
-          </a:p>
-        </p:txBody>
-      </p:sp>
-      <p:sp>
-        <p:nvSpPr>
-          <p:cNvPr id="30" name="Hexagon 29"/>
-          <p:cNvSpPr/>
-          <p:nvPr/>
-        </p:nvSpPr>
-        <p:spPr bwMode="auto">
-          <a:xfrm>
-            <a:off x="874724" y="4113758"/>
-            <a:ext cx="358519" cy="304740"/>
-          </a:xfrm>
-          <a:prstGeom prst="hexagon">
-            <a:avLst/>
-          </a:prstGeom>
-          <a:solidFill>
-            <a:srgbClr val="002060"/>
-          </a:solidFill>
-          <a:ln>
-            <a:noFill/>
-            <a:headEnd type="none" w="med" len="med"/>
-            <a:tailEnd type="none" w="med" len="med"/>
-          </a:ln>
-          <a:effectLst/>
-        </p:spPr>
-        <p:style>
-          <a:lnRef idx="1">
-            <a:schemeClr val="accent2"/>
-          </a:lnRef>
-          <a:fillRef idx="3">
-            <a:schemeClr val="accent2"/>
-          </a:fillRef>
-          <a:effectRef idx="2">
-            <a:schemeClr val="accent2"/>
-          </a:effectRef>
-          <a:fontRef idx="minor">
-            <a:schemeClr val="lt1"/>
-          </a:fontRef>
-        </p:style>
-        <p:txBody>
-          <a:bodyPr lIns="89630" tIns="89630" rIns="33615" bIns="33615" rtlCol="0" anchor="b" anchorCtr="0"/>
-          <a:lstStyle/>
-          <a:p>
-            <a:pPr algn="ctr" defTabSz="913862">
-              <a:defRPr/>
-            </a:pPr>
-            <a:endParaRPr lang="en-US" sz="784" dirty="0">
-              <a:gradFill>
-                <a:gsLst>
-                  <a:gs pos="0">
-                    <a:srgbClr val="FFFFFF"/>
-                  </a:gs>
-                  <a:gs pos="100000">
-                    <a:srgbClr val="FFFFFF"/>
-                  </a:gs>
-                </a:gsLst>
-                <a:lin ang="5400000" scaled="0"/>
-              </a:gradFill>
-              <a:latin typeface="Segoe UI"/>
-              <a:ea typeface="Segoe UI" pitchFamily="34" charset="0"/>
-              <a:cs typeface="Segoe UI" pitchFamily="34" charset="0"/>
-            </a:endParaRPr>
-          </a:p>
-        </p:txBody>
-      </p:sp>
-      <p:sp>
-        <p:nvSpPr>
-          <p:cNvPr id="31" name="Hexagon 30"/>
-          <p:cNvSpPr/>
-          <p:nvPr/>
-        </p:nvSpPr>
-        <p:spPr bwMode="auto">
-          <a:xfrm>
-            <a:off x="856760" y="4843342"/>
-            <a:ext cx="358519" cy="304740"/>
-          </a:xfrm>
-          <a:prstGeom prst="hexagon">
-            <a:avLst/>
-          </a:prstGeom>
-          <a:solidFill>
-            <a:srgbClr val="7030A0"/>
-          </a:solidFill>
-          <a:ln>
-            <a:noFill/>
-            <a:headEnd type="none" w="med" len="med"/>
-            <a:tailEnd type="none" w="med" len="med"/>
-          </a:ln>
-          <a:effectLst/>
-        </p:spPr>
-        <p:style>
-          <a:lnRef idx="1">
-            <a:schemeClr val="accent2"/>
-          </a:lnRef>
-          <a:fillRef idx="3">
-            <a:schemeClr val="accent2"/>
-          </a:fillRef>
-          <a:effectRef idx="2">
-            <a:schemeClr val="accent2"/>
-          </a:effectRef>
-          <a:fontRef idx="minor">
-            <a:schemeClr val="lt1"/>
-          </a:fontRef>
-        </p:style>
-        <p:txBody>
-          <a:bodyPr lIns="89630" tIns="89630" rIns="33615" bIns="33615" rtlCol="0" anchor="b" anchorCtr="0"/>
-          <a:lstStyle/>
-          <a:p>
-            <a:pPr algn="ctr" defTabSz="913862">
-              <a:defRPr/>
-            </a:pPr>
-            <a:endParaRPr lang="en-US" sz="784" dirty="0">
-              <a:gradFill>
-                <a:gsLst>
-                  <a:gs pos="0">
-                    <a:srgbClr val="FFFFFF"/>
-                  </a:gs>
-                  <a:gs pos="100000">
-                    <a:srgbClr val="FFFFFF"/>
-                  </a:gs>
-                </a:gsLst>
-                <a:lin ang="5400000" scaled="0"/>
-              </a:gradFill>
-              <a:latin typeface="Segoe UI"/>
-              <a:ea typeface="Segoe UI" pitchFamily="34" charset="0"/>
-              <a:cs typeface="Segoe UI" pitchFamily="34" charset="0"/>
-            </a:endParaRPr>
-          </a:p>
-        </p:txBody>
-      </p:sp>
-      <p:sp>
-        <p:nvSpPr>
-          <p:cNvPr id="32" name="Hexagon 31"/>
-          <p:cNvSpPr/>
-          <p:nvPr/>
-        </p:nvSpPr>
-        <p:spPr bwMode="auto">
-          <a:xfrm>
-            <a:off x="855487" y="4843342"/>
-            <a:ext cx="358519" cy="304740"/>
-          </a:xfrm>
-          <a:prstGeom prst="hexagon">
-            <a:avLst/>
-          </a:prstGeom>
-          <a:solidFill>
-            <a:srgbClr val="7030A0"/>
-          </a:solidFill>
-          <a:ln>
-            <a:noFill/>
-            <a:headEnd type="none" w="med" len="med"/>
-            <a:tailEnd type="none" w="med" len="med"/>
-          </a:ln>
-          <a:effectLst/>
-        </p:spPr>
-        <p:style>
-          <a:lnRef idx="1">
-            <a:schemeClr val="accent2"/>
-          </a:lnRef>
-          <a:fillRef idx="3">
-            <a:schemeClr val="accent2"/>
-          </a:fillRef>
-          <a:effectRef idx="2">
-            <a:schemeClr val="accent2"/>
-          </a:effectRef>
-          <a:fontRef idx="minor">
-            <a:schemeClr val="lt1"/>
-          </a:fontRef>
-        </p:style>
-        <p:txBody>
-          <a:bodyPr lIns="89630" tIns="89630" rIns="33615" bIns="33615" rtlCol="0" anchor="b" anchorCtr="0"/>
-          <a:lstStyle/>
-          <a:p>
-            <a:pPr algn="ctr" defTabSz="913862">
-              <a:defRPr/>
-            </a:pPr>
-            <a:endParaRPr lang="en-US" sz="784" dirty="0">
-              <a:gradFill>
-                <a:gsLst>
-                  <a:gs pos="0">
-                    <a:srgbClr val="FFFFFF"/>
-                  </a:gs>
-                  <a:gs pos="100000">
-                    <a:srgbClr val="FFFFFF"/>
-                  </a:gs>
-                </a:gsLst>
-                <a:lin ang="5400000" scaled="0"/>
-              </a:gradFill>
-              <a:latin typeface="Segoe UI"/>
-              <a:ea typeface="Segoe UI" pitchFamily="34" charset="0"/>
-              <a:cs typeface="Segoe UI" pitchFamily="34" charset="0"/>
-            </a:endParaRPr>
-          </a:p>
-        </p:txBody>
-      </p:sp>
-      <p:sp>
-        <p:nvSpPr>
-          <p:cNvPr id="33" name="Hexagon 32"/>
-          <p:cNvSpPr/>
-          <p:nvPr/>
-        </p:nvSpPr>
-        <p:spPr bwMode="auto">
-          <a:xfrm>
-            <a:off x="858015" y="4852026"/>
-            <a:ext cx="358519" cy="304740"/>
-          </a:xfrm>
-          <a:prstGeom prst="hexagon">
-            <a:avLst/>
-          </a:prstGeom>
-          <a:solidFill>
-            <a:srgbClr val="7030A0"/>
-          </a:solidFill>
-          <a:ln>
-            <a:noFill/>
-            <a:headEnd type="none" w="med" len="med"/>
-            <a:tailEnd type="none" w="med" len="med"/>
-          </a:ln>
-          <a:effectLst/>
-        </p:spPr>
-        <p:style>
-          <a:lnRef idx="1">
-            <a:schemeClr val="accent2"/>
-          </a:lnRef>
-          <a:fillRef idx="3">
-            <a:schemeClr val="accent2"/>
-          </a:fillRef>
-          <a:effectRef idx="2">
-            <a:schemeClr val="accent2"/>
-          </a:effectRef>
-          <a:fontRef idx="minor">
-            <a:schemeClr val="lt1"/>
-          </a:fontRef>
-        </p:style>
-        <p:txBody>
-          <a:bodyPr lIns="89630" tIns="89630" rIns="33615" bIns="33615" rtlCol="0" anchor="b" anchorCtr="0"/>
-          <a:lstStyle/>
-          <a:p>
-            <a:pPr algn="ctr" defTabSz="913862">
-              <a:defRPr/>
-            </a:pPr>
-            <a:endParaRPr lang="en-US" sz="784" dirty="0">
-              <a:gradFill>
-                <a:gsLst>
-                  <a:gs pos="0">
-                    <a:srgbClr val="FFFFFF"/>
-                  </a:gs>
-                  <a:gs pos="100000">
-                    <a:srgbClr val="FFFFFF"/>
-                  </a:gs>
-                </a:gsLst>
-                <a:lin ang="5400000" scaled="0"/>
-              </a:gradFill>
-              <a:latin typeface="Segoe UI"/>
-              <a:ea typeface="Segoe UI" pitchFamily="34" charset="0"/>
-              <a:cs typeface="Segoe UI" pitchFamily="34" charset="0"/>
-            </a:endParaRPr>
-          </a:p>
-        </p:txBody>
-      </p:sp>
-      <p:sp>
-        <p:nvSpPr>
-          <p:cNvPr id="34" name="Hexagon 33"/>
-          <p:cNvSpPr/>
-          <p:nvPr/>
-        </p:nvSpPr>
-        <p:spPr bwMode="auto">
-          <a:xfrm>
-            <a:off x="856760" y="5570665"/>
-            <a:ext cx="358519" cy="304740"/>
-          </a:xfrm>
-          <a:prstGeom prst="hexagon">
-            <a:avLst/>
-          </a:prstGeom>
-          <a:solidFill>
-            <a:schemeClr val="accent5">
-              <a:lumMod val="75000"/>
-            </a:schemeClr>
-          </a:solidFill>
-          <a:ln>
-            <a:noFill/>
-            <a:headEnd type="none" w="med" len="med"/>
-            <a:tailEnd type="none" w="med" len="med"/>
-          </a:ln>
-          <a:effectLst/>
-        </p:spPr>
-        <p:style>
-          <a:lnRef idx="1">
-            <a:schemeClr val="accent2"/>
-          </a:lnRef>
-          <a:fillRef idx="3">
-            <a:schemeClr val="accent2"/>
-          </a:fillRef>
-          <a:effectRef idx="2">
-            <a:schemeClr val="accent2"/>
-          </a:effectRef>
-          <a:fontRef idx="minor">
-            <a:schemeClr val="lt1"/>
-          </a:fontRef>
-        </p:style>
-        <p:txBody>
-          <a:bodyPr lIns="89630" tIns="89630" rIns="33615" bIns="33615" rtlCol="0" anchor="b" anchorCtr="0"/>
-          <a:lstStyle/>
-          <a:p>
-            <a:pPr algn="ctr" defTabSz="913862">
-              <a:defRPr/>
-            </a:pPr>
-            <a:endParaRPr lang="en-US" sz="784" dirty="0">
-              <a:gradFill>
-                <a:gsLst>
-                  <a:gs pos="0">
-                    <a:srgbClr val="FFFFFF"/>
-                  </a:gs>
-                  <a:gs pos="100000">
-                    <a:srgbClr val="FFFFFF"/>
-                  </a:gs>
-                </a:gsLst>
-                <a:lin ang="5400000" scaled="0"/>
-              </a:gradFill>
-              <a:latin typeface="Segoe UI"/>
-              <a:ea typeface="Segoe UI" pitchFamily="34" charset="0"/>
-              <a:cs typeface="Segoe UI" pitchFamily="34" charset="0"/>
-            </a:endParaRPr>
-          </a:p>
-        </p:txBody>
-      </p:sp>
-      <p:sp>
-        <p:nvSpPr>
-          <p:cNvPr id="35" name="Hexagon 34"/>
-          <p:cNvSpPr/>
-          <p:nvPr/>
-        </p:nvSpPr>
-        <p:spPr bwMode="auto">
-          <a:xfrm>
-            <a:off x="867191" y="5588030"/>
-            <a:ext cx="358519" cy="304740"/>
-          </a:xfrm>
-          <a:prstGeom prst="hexagon">
-            <a:avLst/>
-          </a:prstGeom>
-          <a:solidFill>
-            <a:schemeClr val="accent5">
-              <a:lumMod val="75000"/>
-            </a:schemeClr>
-          </a:solidFill>
-          <a:ln>
-            <a:noFill/>
-            <a:headEnd type="none" w="med" len="med"/>
-            <a:tailEnd type="none" w="med" len="med"/>
-          </a:ln>
-          <a:effectLst/>
-        </p:spPr>
-        <p:style>
-          <a:lnRef idx="1">
-            <a:schemeClr val="accent2"/>
-          </a:lnRef>
-          <a:fillRef idx="3">
-            <a:schemeClr val="accent2"/>
-          </a:fillRef>
-          <a:effectRef idx="2">
-            <a:schemeClr val="accent2"/>
-          </a:effectRef>
-          <a:fontRef idx="minor">
-            <a:schemeClr val="lt1"/>
-          </a:fontRef>
-        </p:style>
-        <p:txBody>
-          <a:bodyPr lIns="89630" tIns="89630" rIns="33615" bIns="33615" rtlCol="0" anchor="b" anchorCtr="0"/>
-          <a:lstStyle/>
-          <a:p>
-            <a:pPr algn="ctr" defTabSz="913862">
-              <a:defRPr/>
-            </a:pPr>
-            <a:endParaRPr lang="en-US" sz="784" dirty="0">
-              <a:gradFill>
-                <a:gsLst>
-                  <a:gs pos="0">
-                    <a:srgbClr val="FFFFFF"/>
-                  </a:gs>
-                  <a:gs pos="100000">
-                    <a:srgbClr val="FFFFFF"/>
-                  </a:gs>
-                </a:gsLst>
-                <a:lin ang="5400000" scaled="0"/>
-              </a:gradFill>
-              <a:latin typeface="Segoe UI"/>
-              <a:ea typeface="Segoe UI" pitchFamily="34" charset="0"/>
-              <a:cs typeface="Segoe UI" pitchFamily="34" charset="0"/>
-            </a:endParaRPr>
-          </a:p>
-        </p:txBody>
-      </p:sp>
-      <p:sp>
-        <p:nvSpPr>
-          <p:cNvPr id="36" name="Hexagon 35"/>
-          <p:cNvSpPr/>
-          <p:nvPr/>
-        </p:nvSpPr>
-        <p:spPr bwMode="auto">
-          <a:xfrm>
-            <a:off x="886120" y="5579545"/>
-            <a:ext cx="358519" cy="304740"/>
-          </a:xfrm>
-          <a:prstGeom prst="hexagon">
-            <a:avLst/>
-          </a:prstGeom>
-          <a:solidFill>
-            <a:schemeClr val="accent5">
-              <a:lumMod val="75000"/>
-            </a:schemeClr>
-          </a:solidFill>
-          <a:ln>
-            <a:noFill/>
-            <a:headEnd type="none" w="med" len="med"/>
-            <a:tailEnd type="none" w="med" len="med"/>
-          </a:ln>
-          <a:effectLst/>
-        </p:spPr>
-        <p:style>
-          <a:lnRef idx="1">
-            <a:schemeClr val="accent2"/>
-          </a:lnRef>
-          <a:fillRef idx="3">
-            <a:schemeClr val="accent2"/>
-          </a:fillRef>
-          <a:effectRef idx="2">
-            <a:schemeClr val="accent2"/>
-          </a:effectRef>
-          <a:fontRef idx="minor">
-            <a:schemeClr val="lt1"/>
-          </a:fontRef>
-        </p:style>
-        <p:txBody>
-          <a:bodyPr lIns="89630" tIns="89630" rIns="33615" bIns="33615" rtlCol="0" anchor="b" anchorCtr="0"/>
-          <a:lstStyle/>
-          <a:p>
-            <a:pPr algn="ctr" defTabSz="913862">
-              <a:defRPr/>
-            </a:pPr>
-            <a:endParaRPr lang="en-US" sz="784" dirty="0">
-              <a:gradFill>
-                <a:gsLst>
-                  <a:gs pos="0">
-                    <a:srgbClr val="FFFFFF"/>
-                  </a:gs>
-                  <a:gs pos="100000">
-                    <a:srgbClr val="FFFFFF"/>
-                  </a:gs>
-                </a:gsLst>
-                <a:lin ang="5400000" scaled="0"/>
-              </a:gradFill>
-              <a:latin typeface="Segoe UI"/>
-              <a:ea typeface="Segoe UI" pitchFamily="34" charset="0"/>
-              <a:cs typeface="Segoe UI" pitchFamily="34" charset="0"/>
-            </a:endParaRPr>
-          </a:p>
-        </p:txBody>
-      </p:sp>
-      <p:sp>
-        <p:nvSpPr>
-          <p:cNvPr id="37" name="Hexagon 36"/>
-          <p:cNvSpPr/>
-          <p:nvPr/>
-        </p:nvSpPr>
-        <p:spPr bwMode="auto">
-          <a:xfrm>
-            <a:off x="908058" y="1134818"/>
-            <a:ext cx="359411" cy="303781"/>
-          </a:xfrm>
-          <a:prstGeom prst="hexagon">
-            <a:avLst/>
-          </a:prstGeom>
-          <a:solidFill>
-            <a:srgbClr val="FF0000"/>
-          </a:solidFill>
-          <a:ln>
-            <a:noFill/>
-            <a:headEnd type="none" w="med" len="med"/>
-            <a:tailEnd type="none" w="med" len="med"/>
-          </a:ln>
-          <a:effectLst/>
-        </p:spPr>
-        <p:style>
-          <a:lnRef idx="1">
-            <a:schemeClr val="accent2"/>
-          </a:lnRef>
-          <a:fillRef idx="3">
-            <a:schemeClr val="accent2"/>
-          </a:fillRef>
-          <a:effectRef idx="2">
-            <a:schemeClr val="accent2"/>
-          </a:effectRef>
-          <a:fontRef idx="minor">
-            <a:schemeClr val="lt1"/>
-          </a:fontRef>
-        </p:style>
-        <p:txBody>
-          <a:bodyPr lIns="89630" tIns="89630" rIns="33615" bIns="33615" rtlCol="0" anchor="b" anchorCtr="0"/>
-          <a:lstStyle/>
-          <a:p>
-            <a:pPr algn="ctr" defTabSz="913862">
-              <a:defRPr/>
-            </a:pPr>
-            <a:endParaRPr lang="en-US" sz="784" dirty="0">
-              <a:gradFill>
-                <a:gsLst>
-                  <a:gs pos="0">
-                    <a:srgbClr val="FFFFFF"/>
-                  </a:gs>
-                  <a:gs pos="100000">
-                    <a:srgbClr val="FFFFFF"/>
-                  </a:gs>
-                </a:gsLst>
-                <a:lin ang="5400000" scaled="0"/>
-              </a:gradFill>
-              <a:latin typeface="Segoe UI"/>
-              <a:ea typeface="Segoe UI" pitchFamily="34" charset="0"/>
-              <a:cs typeface="Segoe UI" pitchFamily="34" charset="0"/>
-            </a:endParaRPr>
-          </a:p>
-        </p:txBody>
-      </p:sp>
-      <p:sp>
-        <p:nvSpPr>
-          <p:cNvPr id="38" name="Hexagon 37"/>
-          <p:cNvSpPr/>
-          <p:nvPr/>
-        </p:nvSpPr>
-        <p:spPr bwMode="auto">
-          <a:xfrm>
-            <a:off x="916149" y="1880981"/>
-            <a:ext cx="359411" cy="303781"/>
-          </a:xfrm>
-          <a:prstGeom prst="hexagon">
-            <a:avLst/>
-          </a:prstGeom>
-          <a:solidFill>
-            <a:srgbClr val="92D050"/>
-          </a:solidFill>
-          <a:ln>
-            <a:noFill/>
-            <a:headEnd type="none" w="med" len="med"/>
-            <a:tailEnd type="none" w="med" len="med"/>
-          </a:ln>
-          <a:effectLst/>
-        </p:spPr>
-        <p:style>
-          <a:lnRef idx="1">
-            <a:schemeClr val="accent2"/>
-          </a:lnRef>
-          <a:fillRef idx="3">
-            <a:schemeClr val="accent2"/>
-          </a:fillRef>
-          <a:effectRef idx="2">
-            <a:schemeClr val="accent2"/>
-          </a:effectRef>
-          <a:fontRef idx="minor">
-            <a:schemeClr val="lt1"/>
-          </a:fontRef>
-        </p:style>
-        <p:txBody>
-          <a:bodyPr lIns="89630" tIns="89630" rIns="33615" bIns="33615" rtlCol="0" anchor="b" anchorCtr="0"/>
-          <a:lstStyle/>
-          <a:p>
-            <a:pPr algn="ctr" defTabSz="913862">
-              <a:defRPr/>
-            </a:pPr>
-            <a:endParaRPr lang="en-US" sz="784" dirty="0">
-              <a:gradFill>
-                <a:gsLst>
-                  <a:gs pos="0">
-                    <a:srgbClr val="FFFFFF"/>
-                  </a:gs>
-                  <a:gs pos="100000">
-                    <a:srgbClr val="FFFFFF"/>
-                  </a:gs>
-                </a:gsLst>
-                <a:lin ang="5400000" scaled="0"/>
-              </a:gradFill>
-              <a:latin typeface="Segoe UI"/>
-              <a:ea typeface="Segoe UI" pitchFamily="34" charset="0"/>
-              <a:cs typeface="Segoe UI" pitchFamily="34" charset="0"/>
-            </a:endParaRPr>
-          </a:p>
-        </p:txBody>
-      </p:sp>
-      <p:sp>
-        <p:nvSpPr>
-          <p:cNvPr id="41" name="Hexagon 40"/>
-          <p:cNvSpPr/>
-          <p:nvPr/>
-        </p:nvSpPr>
-        <p:spPr bwMode="auto">
-          <a:xfrm>
-            <a:off x="923432" y="2603364"/>
-            <a:ext cx="359411" cy="303781"/>
-          </a:xfrm>
-          <a:prstGeom prst="hexagon">
-            <a:avLst/>
-          </a:prstGeom>
-          <a:solidFill>
-            <a:srgbClr val="FFC000"/>
-          </a:solidFill>
-          <a:ln>
-            <a:noFill/>
-            <a:headEnd type="none" w="med" len="med"/>
-            <a:tailEnd type="none" w="med" len="med"/>
-          </a:ln>
-          <a:effectLst/>
-        </p:spPr>
-        <p:style>
-          <a:lnRef idx="1">
-            <a:schemeClr val="accent2"/>
-          </a:lnRef>
-          <a:fillRef idx="3">
-            <a:schemeClr val="accent2"/>
-          </a:fillRef>
-          <a:effectRef idx="2">
-            <a:schemeClr val="accent2"/>
-          </a:effectRef>
-          <a:fontRef idx="minor">
-            <a:schemeClr val="lt1"/>
-          </a:fontRef>
-        </p:style>
-        <p:txBody>
-          <a:bodyPr lIns="89630" tIns="89630" rIns="33615" bIns="33615" rtlCol="0" anchor="b" anchorCtr="0"/>
-          <a:lstStyle/>
-          <a:p>
-            <a:pPr algn="ctr" defTabSz="913862">
-              <a:defRPr/>
-            </a:pPr>
-            <a:endParaRPr lang="en-US" sz="784" dirty="0">
-              <a:gradFill>
-                <a:gsLst>
-                  <a:gs pos="0">
-                    <a:srgbClr val="FFFFFF"/>
-                  </a:gs>
-                  <a:gs pos="100000">
-                    <a:srgbClr val="FFFFFF"/>
-                  </a:gs>
-                </a:gsLst>
-                <a:lin ang="5400000" scaled="0"/>
-              </a:gradFill>
-              <a:latin typeface="Segoe UI"/>
-              <a:ea typeface="Segoe UI" pitchFamily="34" charset="0"/>
-              <a:cs typeface="Segoe UI" pitchFamily="34" charset="0"/>
-            </a:endParaRPr>
-          </a:p>
-        </p:txBody>
-      </p:sp>
-      <p:sp>
-        <p:nvSpPr>
-          <p:cNvPr id="43" name="TextBox 42"/>
-          <p:cNvSpPr txBox="1"/>
-          <p:nvPr/>
-        </p:nvSpPr>
-        <p:spPr>
-          <a:xfrm>
-            <a:off x="559059" y="3181459"/>
-            <a:ext cx="1195063" cy="621968"/>
-          </a:xfrm>
-          <a:prstGeom prst="rect">
-            <a:avLst/>
-          </a:prstGeom>
-          <a:solidFill>
-            <a:schemeClr val="bg1"/>
-          </a:solidFill>
-        </p:spPr>
-        <p:txBody>
-          <a:bodyPr wrap="square" lIns="179259" tIns="143407" rIns="179259" bIns="143407" rtlCol="0">
-            <a:spAutoFit/>
-          </a:bodyPr>
-          <a:lstStyle/>
-          <a:p>
-            <a:pPr defTabSz="914192">
-              <a:lnSpc>
-                <a:spcPct val="90000"/>
-              </a:lnSpc>
-              <a:spcAft>
-                <a:spcPts val="588"/>
-              </a:spcAft>
-              <a:defRPr/>
-            </a:pPr>
-            <a:r>
-              <a:rPr lang="en-US" sz="2353" dirty="0">
-                <a:solidFill>
-                  <a:srgbClr val="505050"/>
-                </a:solidFill>
-                <a:latin typeface="Segoe UI"/>
-              </a:rPr>
-              <a:t>App1</a:t>
-            </a:r>
-          </a:p>
-        </p:txBody>
-      </p:sp>
-      <p:sp>
-        <p:nvSpPr>
-          <p:cNvPr id="44" name="TextBox 43"/>
-          <p:cNvSpPr txBox="1"/>
-          <p:nvPr/>
-        </p:nvSpPr>
-        <p:spPr>
-          <a:xfrm>
-            <a:off x="545394" y="6137516"/>
-            <a:ext cx="1195063" cy="621968"/>
-          </a:xfrm>
-          <a:prstGeom prst="rect">
-            <a:avLst/>
-          </a:prstGeom>
-          <a:solidFill>
-            <a:schemeClr val="bg1"/>
-          </a:solidFill>
-        </p:spPr>
-        <p:txBody>
-          <a:bodyPr wrap="square" lIns="179259" tIns="143407" rIns="179259" bIns="143407" rtlCol="0">
-            <a:spAutoFit/>
-          </a:bodyPr>
-          <a:lstStyle/>
-          <a:p>
-            <a:pPr defTabSz="914192">
-              <a:lnSpc>
-                <a:spcPct val="90000"/>
-              </a:lnSpc>
-              <a:spcAft>
-                <a:spcPts val="588"/>
-              </a:spcAft>
-              <a:defRPr/>
-            </a:pPr>
-            <a:r>
-              <a:rPr lang="en-US" sz="2353" dirty="0">
-                <a:solidFill>
-                  <a:srgbClr val="505050"/>
-                </a:solidFill>
-                <a:latin typeface="Segoe UI"/>
-              </a:rPr>
-              <a:t>App2</a:t>
-            </a:r>
-          </a:p>
-        </p:txBody>
-      </p:sp>
-      <p:sp>
-        <p:nvSpPr>
-          <p:cNvPr id="39" name="Hexagon 38"/>
-          <p:cNvSpPr/>
-          <p:nvPr/>
-        </p:nvSpPr>
-        <p:spPr bwMode="auto">
-          <a:xfrm>
-            <a:off x="867928" y="4109232"/>
-            <a:ext cx="358519" cy="304740"/>
-          </a:xfrm>
-          <a:prstGeom prst="hexagon">
-            <a:avLst/>
-          </a:prstGeom>
-          <a:solidFill>
-            <a:srgbClr val="002060"/>
-          </a:solidFill>
-          <a:ln>
-            <a:noFill/>
-            <a:headEnd type="none" w="med" len="med"/>
-            <a:tailEnd type="none" w="med" len="med"/>
-          </a:ln>
-          <a:effectLst/>
-        </p:spPr>
-        <p:style>
-          <a:lnRef idx="1">
-            <a:schemeClr val="accent2"/>
-          </a:lnRef>
-          <a:fillRef idx="3">
-            <a:schemeClr val="accent2"/>
-          </a:fillRef>
-          <a:effectRef idx="2">
-            <a:schemeClr val="accent2"/>
-          </a:effectRef>
-          <a:fontRef idx="minor">
-            <a:schemeClr val="lt1"/>
-          </a:fontRef>
-        </p:style>
-        <p:txBody>
-          <a:bodyPr lIns="89630" tIns="89630" rIns="33615" bIns="33615" rtlCol="0" anchor="b" anchorCtr="0"/>
-          <a:lstStyle/>
-          <a:p>
-            <a:pPr algn="ctr" defTabSz="913862">
-              <a:defRPr/>
-            </a:pPr>
-            <a:endParaRPr lang="en-US" sz="784" dirty="0">
-              <a:gradFill>
-                <a:gsLst>
-                  <a:gs pos="0">
-                    <a:srgbClr val="FFFFFF"/>
-                  </a:gs>
-                  <a:gs pos="100000">
-                    <a:srgbClr val="FFFFFF"/>
-                  </a:gs>
-                </a:gsLst>
-                <a:lin ang="5400000" scaled="0"/>
-              </a:gradFill>
-              <a:latin typeface="Segoe UI"/>
-              <a:ea typeface="Segoe UI" pitchFamily="34" charset="0"/>
-              <a:cs typeface="Segoe UI" pitchFamily="34" charset="0"/>
-            </a:endParaRPr>
-          </a:p>
-        </p:txBody>
-      </p:sp>
-      <p:sp>
-        <p:nvSpPr>
-          <p:cNvPr id="40" name="Hexagon 39"/>
-          <p:cNvSpPr/>
-          <p:nvPr/>
-        </p:nvSpPr>
-        <p:spPr bwMode="auto">
-          <a:xfrm>
-            <a:off x="884620" y="4847500"/>
-            <a:ext cx="358519" cy="304740"/>
-          </a:xfrm>
-          <a:prstGeom prst="hexagon">
-            <a:avLst/>
-          </a:prstGeom>
-          <a:solidFill>
-            <a:srgbClr val="7030A0"/>
-          </a:solidFill>
-          <a:ln>
-            <a:noFill/>
-            <a:headEnd type="none" w="med" len="med"/>
-            <a:tailEnd type="none" w="med" len="med"/>
-          </a:ln>
-          <a:effectLst/>
-        </p:spPr>
-        <p:style>
-          <a:lnRef idx="1">
-            <a:schemeClr val="accent2"/>
-          </a:lnRef>
-          <a:fillRef idx="3">
-            <a:schemeClr val="accent2"/>
-          </a:fillRef>
-          <a:effectRef idx="2">
-            <a:schemeClr val="accent2"/>
-          </a:effectRef>
-          <a:fontRef idx="minor">
-            <a:schemeClr val="lt1"/>
-          </a:fontRef>
-        </p:style>
-        <p:txBody>
-          <a:bodyPr lIns="89630" tIns="89630" rIns="33615" bIns="33615" rtlCol="0" anchor="b" anchorCtr="0"/>
-          <a:lstStyle/>
-          <a:p>
-            <a:pPr algn="ctr" defTabSz="913862">
-              <a:defRPr/>
-            </a:pPr>
-            <a:endParaRPr lang="en-US" sz="784" dirty="0">
-              <a:gradFill>
-                <a:gsLst>
-                  <a:gs pos="0">
-                    <a:srgbClr val="FFFFFF"/>
-                  </a:gs>
-                  <a:gs pos="100000">
-                    <a:srgbClr val="FFFFFF"/>
-                  </a:gs>
-                </a:gsLst>
-                <a:lin ang="5400000" scaled="0"/>
-              </a:gradFill>
-              <a:latin typeface="Segoe UI"/>
-              <a:ea typeface="Segoe UI" pitchFamily="34" charset="0"/>
-              <a:cs typeface="Segoe UI" pitchFamily="34" charset="0"/>
-            </a:endParaRPr>
-          </a:p>
-        </p:txBody>
-      </p:sp>
-      <p:sp>
-        <p:nvSpPr>
-          <p:cNvPr id="45" name="Hexagon 44"/>
-          <p:cNvSpPr/>
-          <p:nvPr/>
-        </p:nvSpPr>
-        <p:spPr bwMode="auto">
-          <a:xfrm>
-            <a:off x="876655" y="5588245"/>
-            <a:ext cx="358519" cy="304740"/>
-          </a:xfrm>
-          <a:prstGeom prst="hexagon">
-            <a:avLst/>
-          </a:prstGeom>
-          <a:solidFill>
-            <a:schemeClr val="accent5">
-              <a:lumMod val="75000"/>
-            </a:schemeClr>
-          </a:solidFill>
-          <a:ln>
-            <a:noFill/>
-            <a:headEnd type="none" w="med" len="med"/>
-            <a:tailEnd type="none" w="med" len="med"/>
-          </a:ln>
-          <a:effectLst/>
-        </p:spPr>
-        <p:style>
-          <a:lnRef idx="1">
-            <a:schemeClr val="accent2"/>
-          </a:lnRef>
-          <a:fillRef idx="3">
-            <a:schemeClr val="accent2"/>
-          </a:fillRef>
-          <a:effectRef idx="2">
-            <a:schemeClr val="accent2"/>
-          </a:effectRef>
-          <a:fontRef idx="minor">
-            <a:schemeClr val="lt1"/>
-          </a:fontRef>
-        </p:style>
-        <p:txBody>
-          <a:bodyPr lIns="89630" tIns="89630" rIns="33615" bIns="33615" rtlCol="0" anchor="b" anchorCtr="0"/>
-          <a:lstStyle/>
-          <a:p>
-            <a:pPr algn="ctr" defTabSz="913862">
-              <a:defRPr/>
-            </a:pPr>
-            <a:endParaRPr lang="en-US" sz="784" dirty="0">
-              <a:gradFill>
-                <a:gsLst>
-                  <a:gs pos="0">
-                    <a:srgbClr val="FFFFFF"/>
-                  </a:gs>
-                  <a:gs pos="100000">
-                    <a:srgbClr val="FFFFFF"/>
-                  </a:gs>
-                </a:gsLst>
-                <a:lin ang="5400000" scaled="0"/>
-              </a:gradFill>
-              <a:latin typeface="Segoe UI"/>
-              <a:ea typeface="Segoe UI" pitchFamily="34" charset="0"/>
-              <a:cs typeface="Segoe UI" pitchFamily="34" charset="0"/>
-            </a:endParaRPr>
-          </a:p>
-        </p:txBody>
-      </p:sp>
-      <p:sp>
-        <p:nvSpPr>
-          <p:cNvPr id="49" name="Title 2"/>
-          <p:cNvSpPr>
-            <a:spLocks noGrp="1"/>
-          </p:cNvSpPr>
-          <p:nvPr>
-            <p:ph type="title"/>
-          </p:nvPr>
-        </p:nvSpPr>
-        <p:spPr>
-          <a:xfrm>
-            <a:off x="297546" y="-81498"/>
-            <a:ext cx="11654187" cy="899409"/>
-          </a:xfrm>
-        </p:spPr>
-        <p:txBody>
-          <a:bodyPr/>
-          <a:lstStyle/>
-          <a:p>
-            <a:r>
-              <a:rPr lang="en-US" dirty="0"/>
-              <a:t>Azure Container Services</a:t>
-            </a:r>
-          </a:p>
-        </p:txBody>
-      </p:sp>
-      <p:grpSp>
-        <p:nvGrpSpPr>
-          <p:cNvPr id="50" name="Group 49"/>
-          <p:cNvGrpSpPr/>
-          <p:nvPr/>
-        </p:nvGrpSpPr>
-        <p:grpSpPr>
-          <a:xfrm>
-            <a:off x="7287685" y="783558"/>
-            <a:ext cx="2560937" cy="1099007"/>
-            <a:chOff x="808037" y="2811462"/>
-            <a:chExt cx="3124200" cy="1524000"/>
-          </a:xfrm>
-        </p:grpSpPr>
-        <p:sp>
-          <p:nvSpPr>
-            <p:cNvPr id="51" name="Rectangle 50"/>
-            <p:cNvSpPr/>
-            <p:nvPr/>
-          </p:nvSpPr>
-          <p:spPr bwMode="auto">
-            <a:xfrm>
-              <a:off x="808037" y="2811462"/>
-              <a:ext cx="3124200" cy="1524000"/>
-            </a:xfrm>
-            <a:prstGeom prst="rect">
-              <a:avLst/>
-            </a:prstGeom>
-            <a:solidFill>
-              <a:schemeClr val="accent1"/>
-            </a:solidFill>
-            <a:ln>
-              <a:noFill/>
-              <a:headEnd type="none" w="med" len="med"/>
-              <a:tailEnd type="none" w="med" len="med"/>
-            </a:ln>
-            <a:effectLst/>
-          </p:spPr>
-          <p:style>
-            <a:lnRef idx="1">
-              <a:schemeClr val="accent2"/>
-            </a:lnRef>
-            <a:fillRef idx="3">
-              <a:schemeClr val="accent2"/>
-            </a:fillRef>
-            <a:effectRef idx="2">
-              <a:schemeClr val="accent2"/>
-            </a:effectRef>
-            <a:fontRef idx="minor">
-              <a:schemeClr val="lt1"/>
-            </a:fontRef>
-          </p:style>
-          <p:txBody>
-            <a:bodyPr rot="0" spcFirstLastPara="0" vertOverflow="overflow" horzOverflow="overflow" vert="horz" wrap="square" lIns="179285" tIns="143428" rIns="179285" bIns="143428" numCol="1" spcCol="0" rtlCol="0" fromWordArt="0" anchor="t" anchorCtr="0" forceAA="0" compatLnSpc="1">
-              <a:prstTxWarp prst="textNoShape">
-                <a:avLst/>
-              </a:prstTxWarp>
-              <a:noAutofit/>
-            </a:bodyPr>
-            <a:lstStyle/>
-            <a:p>
-              <a:pPr algn="ctr" defTabSz="914102" fontAlgn="base">
-                <a:lnSpc>
-                  <a:spcPct val="90000"/>
-                </a:lnSpc>
-                <a:spcBef>
-                  <a:spcPct val="0"/>
-                </a:spcBef>
-                <a:spcAft>
-                  <a:spcPct val="0"/>
-                </a:spcAft>
-                <a:defRPr/>
-              </a:pPr>
-              <a:endParaRPr lang="en-US" sz="2353" dirty="0" err="1">
-                <a:gradFill>
-                  <a:gsLst>
-                    <a:gs pos="0">
-                      <a:srgbClr val="FFFFFF"/>
-                    </a:gs>
-                    <a:gs pos="100000">
-                      <a:srgbClr val="FFFFFF"/>
-                    </a:gs>
-                  </a:gsLst>
-                  <a:lin ang="5400000" scaled="0"/>
-                </a:gradFill>
-                <a:latin typeface="Segoe UI"/>
-                <a:ea typeface="Segoe UI" pitchFamily="34" charset="0"/>
-                <a:cs typeface="Segoe UI" pitchFamily="34" charset="0"/>
-              </a:endParaRPr>
-            </a:p>
-          </p:txBody>
-        </p:sp>
-        <p:pic>
-          <p:nvPicPr>
-            <p:cNvPr id="52" name="Picture 51"/>
-            <p:cNvPicPr>
-              <a:picLocks noChangeAspect="1"/>
-            </p:cNvPicPr>
-            <p:nvPr/>
-          </p:nvPicPr>
-          <p:blipFill>
-            <a:blip r:embed="rId4">
-              <a:extLst>
-                <a:ext uri="{28A0092B-C50C-407E-A947-70E740481C1C}">
-                  <a14:useLocalDpi xmlns:a14="http://schemas.microsoft.com/office/drawing/2010/main" val="0"/>
-                </a:ext>
-              </a:extLst>
-            </a:blip>
-            <a:stretch>
-              <a:fillRect/>
-            </a:stretch>
-          </p:blipFill>
-          <p:spPr>
-            <a:xfrm>
-              <a:off x="1024105" y="3002033"/>
-              <a:ext cx="2692063" cy="1142857"/>
-            </a:xfrm>
-            <a:prstGeom prst="rect">
-              <a:avLst/>
-            </a:prstGeom>
-          </p:spPr>
-        </p:pic>
-      </p:grpSp>
-    </p:spTree>
-    <p:extLst>
-      <p:ext uri="{BB962C8B-B14F-4D97-AF65-F5344CB8AC3E}">
-        <p14:creationId xmlns:p14="http://schemas.microsoft.com/office/powerpoint/2010/main" val="386329958"/>
-      </p:ext>
-    </p:extLst>
-  </p:cSld>
-  <p:clrMapOvr>
-    <a:masterClrMapping/>
-  </p:clrMapOvr>
-  <p:transition>
-    <p:fade/>
-  </p:transition>
-  <p:timing>
-    <p:tnLst>
-      <p:par>
-        <p:cTn id="1" dur="indefinite" restart="never" nodeType="tmRoot">
-          <p:childTnLst>
-            <p:seq concurrent="1" nextAc="seek">
-              <p:cTn id="2" dur="indefinite" nodeType="mainSeq">
-                <p:childTnLst>
-                  <p:par>
-                    <p:cTn id="3" fill="hold">
-                      <p:stCondLst>
-                        <p:cond delay="indefinite"/>
-                        <p:cond evt="onBegin" delay="0">
-                          <p:tn val="2"/>
-                        </p:cond>
-                      </p:stCondLst>
-                      <p:childTnLst>
-                        <p:par>
-                          <p:cTn id="4" fill="hold">
-                            <p:stCondLst>
-                              <p:cond delay="0"/>
-                            </p:stCondLst>
-                            <p:childTnLst>
-                              <p:par>
-                                <p:cTn id="5" presetID="1" presetClass="entr" presetSubtype="0" fill="hold" grpId="1" nodeType="withEffect">
-                                  <p:stCondLst>
-                                    <p:cond delay="0"/>
-                                  </p:stCondLst>
-                                  <p:childTnLst>
-                                    <p:set>
-                                      <p:cBhvr>
-                                        <p:cTn id="6" dur="1" fill="hold">
-                                          <p:stCondLst>
-                                            <p:cond delay="0"/>
-                                          </p:stCondLst>
-                                        </p:cTn>
-                                        <p:tgtEl>
-                                          <p:spTgt spid="21"/>
-                                        </p:tgtEl>
-                                        <p:attrNameLst>
-                                          <p:attrName>style.visibility</p:attrName>
-                                        </p:attrNameLst>
-                                      </p:cBhvr>
-                                      <p:to>
-                                        <p:strVal val="visible"/>
-                                      </p:to>
-                                    </p:set>
-                                  </p:childTnLst>
-                                </p:cTn>
-                              </p:par>
-                              <p:par>
-                                <p:cTn id="7" presetID="1" presetClass="entr" presetSubtype="0" fill="hold" grpId="1" nodeType="withEffect">
-                                  <p:stCondLst>
-                                    <p:cond delay="0"/>
-                                  </p:stCondLst>
-                                  <p:childTnLst>
-                                    <p:set>
-                                      <p:cBhvr>
-                                        <p:cTn id="8" dur="1" fill="hold">
-                                          <p:stCondLst>
-                                            <p:cond delay="0"/>
-                                          </p:stCondLst>
-                                        </p:cTn>
-                                        <p:tgtEl>
-                                          <p:spTgt spid="20"/>
-                                        </p:tgtEl>
-                                        <p:attrNameLst>
-                                          <p:attrName>style.visibility</p:attrName>
-                                        </p:attrNameLst>
-                                      </p:cBhvr>
-                                      <p:to>
-                                        <p:strVal val="visible"/>
-                                      </p:to>
-                                    </p:set>
-                                  </p:childTnLst>
-                                </p:cTn>
-                              </p:par>
-                              <p:par>
-                                <p:cTn id="9" presetID="1" presetClass="entr" presetSubtype="0" fill="hold" grpId="1" nodeType="withEffect">
-                                  <p:stCondLst>
-                                    <p:cond delay="0"/>
-                                  </p:stCondLst>
-                                  <p:childTnLst>
-                                    <p:set>
-                                      <p:cBhvr>
-                                        <p:cTn id="10" dur="1" fill="hold">
-                                          <p:stCondLst>
-                                            <p:cond delay="0"/>
-                                          </p:stCondLst>
-                                        </p:cTn>
-                                        <p:tgtEl>
-                                          <p:spTgt spid="19"/>
-                                        </p:tgtEl>
-                                        <p:attrNameLst>
-                                          <p:attrName>style.visibility</p:attrName>
-                                        </p:attrNameLst>
-                                      </p:cBhvr>
-                                      <p:to>
-                                        <p:strVal val="visible"/>
-                                      </p:to>
-                                    </p:set>
-                                  </p:childTnLst>
-                                </p:cTn>
-                              </p:par>
-                              <p:par>
-                                <p:cTn id="11" presetID="1" presetClass="entr" presetSubtype="0" fill="hold" grpId="1" nodeType="withEffect">
-                                  <p:stCondLst>
-                                    <p:cond delay="0"/>
-                                  </p:stCondLst>
-                                  <p:childTnLst>
-                                    <p:set>
-                                      <p:cBhvr>
-                                        <p:cTn id="12" dur="1" fill="hold">
-                                          <p:stCondLst>
-                                            <p:cond delay="0"/>
-                                          </p:stCondLst>
-                                        </p:cTn>
-                                        <p:tgtEl>
-                                          <p:spTgt spid="24"/>
-                                        </p:tgtEl>
-                                        <p:attrNameLst>
-                                          <p:attrName>style.visibility</p:attrName>
-                                        </p:attrNameLst>
-                                      </p:cBhvr>
-                                      <p:to>
-                                        <p:strVal val="visible"/>
-                                      </p:to>
-                                    </p:set>
-                                  </p:childTnLst>
-                                </p:cTn>
-                              </p:par>
-                              <p:par>
-                                <p:cTn id="13" presetID="1" presetClass="entr" presetSubtype="0" fill="hold" grpId="1" nodeType="withEffect">
-                                  <p:stCondLst>
-                                    <p:cond delay="0"/>
-                                  </p:stCondLst>
-                                  <p:childTnLst>
-                                    <p:set>
-                                      <p:cBhvr>
-                                        <p:cTn id="14" dur="1" fill="hold">
-                                          <p:stCondLst>
-                                            <p:cond delay="0"/>
-                                          </p:stCondLst>
-                                        </p:cTn>
-                                        <p:tgtEl>
-                                          <p:spTgt spid="23"/>
-                                        </p:tgtEl>
-                                        <p:attrNameLst>
-                                          <p:attrName>style.visibility</p:attrName>
-                                        </p:attrNameLst>
-                                      </p:cBhvr>
-                                      <p:to>
-                                        <p:strVal val="visible"/>
-                                      </p:to>
-                                    </p:set>
-                                  </p:childTnLst>
-                                </p:cTn>
-                              </p:par>
-                              <p:par>
-                                <p:cTn id="15" presetID="1" presetClass="entr" presetSubtype="0" fill="hold" grpId="1" nodeType="withEffect">
-                                  <p:stCondLst>
-                                    <p:cond delay="0"/>
-                                  </p:stCondLst>
-                                  <p:childTnLst>
-                                    <p:set>
-                                      <p:cBhvr>
-                                        <p:cTn id="16" dur="1" fill="hold">
-                                          <p:stCondLst>
-                                            <p:cond delay="0"/>
-                                          </p:stCondLst>
-                                        </p:cTn>
-                                        <p:tgtEl>
-                                          <p:spTgt spid="22"/>
-                                        </p:tgtEl>
-                                        <p:attrNameLst>
-                                          <p:attrName>style.visibility</p:attrName>
-                                        </p:attrNameLst>
-                                      </p:cBhvr>
-                                      <p:to>
-                                        <p:strVal val="visible"/>
-                                      </p:to>
-                                    </p:set>
-                                  </p:childTnLst>
-                                </p:cTn>
-                              </p:par>
-                              <p:par>
-                                <p:cTn id="17" presetID="1" presetClass="entr" presetSubtype="0" fill="hold" grpId="1" nodeType="withEffect">
-                                  <p:stCondLst>
-                                    <p:cond delay="0"/>
-                                  </p:stCondLst>
-                                  <p:childTnLst>
-                                    <p:set>
-                                      <p:cBhvr>
-                                        <p:cTn id="18" dur="1" fill="hold">
-                                          <p:stCondLst>
-                                            <p:cond delay="0"/>
-                                          </p:stCondLst>
-                                        </p:cTn>
-                                        <p:tgtEl>
-                                          <p:spTgt spid="27"/>
-                                        </p:tgtEl>
-                                        <p:attrNameLst>
-                                          <p:attrName>style.visibility</p:attrName>
-                                        </p:attrNameLst>
-                                      </p:cBhvr>
-                                      <p:to>
-                                        <p:strVal val="visible"/>
-                                      </p:to>
-                                    </p:set>
-                                  </p:childTnLst>
-                                </p:cTn>
-                              </p:par>
-                              <p:par>
-                                <p:cTn id="19" presetID="1" presetClass="entr" presetSubtype="0" fill="hold" grpId="1" nodeType="withEffect">
-                                  <p:stCondLst>
-                                    <p:cond delay="0"/>
-                                  </p:stCondLst>
-                                  <p:childTnLst>
-                                    <p:set>
-                                      <p:cBhvr>
-                                        <p:cTn id="20" dur="1" fill="hold">
-                                          <p:stCondLst>
-                                            <p:cond delay="0"/>
-                                          </p:stCondLst>
-                                        </p:cTn>
-                                        <p:tgtEl>
-                                          <p:spTgt spid="26"/>
-                                        </p:tgtEl>
-                                        <p:attrNameLst>
-                                          <p:attrName>style.visibility</p:attrName>
-                                        </p:attrNameLst>
-                                      </p:cBhvr>
-                                      <p:to>
-                                        <p:strVal val="visible"/>
-                                      </p:to>
-                                    </p:set>
-                                  </p:childTnLst>
-                                </p:cTn>
-                              </p:par>
-                              <p:par>
-                                <p:cTn id="21" presetID="1" presetClass="entr" presetSubtype="0" fill="hold" grpId="1" nodeType="withEffect">
-                                  <p:stCondLst>
-                                    <p:cond delay="0"/>
-                                  </p:stCondLst>
-                                  <p:childTnLst>
-                                    <p:set>
-                                      <p:cBhvr>
-                                        <p:cTn id="22" dur="1" fill="hold">
-                                          <p:stCondLst>
-                                            <p:cond delay="0"/>
-                                          </p:stCondLst>
-                                        </p:cTn>
-                                        <p:tgtEl>
-                                          <p:spTgt spid="25"/>
-                                        </p:tgtEl>
-                                        <p:attrNameLst>
-                                          <p:attrName>style.visibility</p:attrName>
-                                        </p:attrNameLst>
-                                      </p:cBhvr>
-                                      <p:to>
-                                        <p:strVal val="visible"/>
-                                      </p:to>
-                                    </p:set>
-                                  </p:childTnLst>
-                                </p:cTn>
-                              </p:par>
-                              <p:par>
-                                <p:cTn id="23" presetID="1" presetClass="entr" presetSubtype="0" fill="hold" grpId="0" nodeType="withEffect">
-                                  <p:stCondLst>
-                                    <p:cond delay="0"/>
-                                  </p:stCondLst>
-                                  <p:childTnLst>
-                                    <p:set>
-                                      <p:cBhvr>
-                                        <p:cTn id="24" dur="1" fill="hold">
-                                          <p:stCondLst>
-                                            <p:cond delay="0"/>
-                                          </p:stCondLst>
-                                        </p:cTn>
-                                        <p:tgtEl>
-                                          <p:spTgt spid="18"/>
-                                        </p:tgtEl>
-                                        <p:attrNameLst>
-                                          <p:attrName>style.visibility</p:attrName>
-                                        </p:attrNameLst>
-                                      </p:cBhvr>
-                                      <p:to>
-                                        <p:strVal val="visible"/>
-                                      </p:to>
-                                    </p:set>
-                                  </p:childTnLst>
-                                </p:cTn>
-                              </p:par>
-                              <p:par>
-                                <p:cTn id="25" presetID="1" presetClass="entr" presetSubtype="0" fill="hold" grpId="0" nodeType="withEffect">
-                                  <p:stCondLst>
-                                    <p:cond delay="0"/>
-                                  </p:stCondLst>
-                                  <p:childTnLst>
-                                    <p:set>
-                                      <p:cBhvr>
-                                        <p:cTn id="26" dur="1" fill="hold">
-                                          <p:stCondLst>
-                                            <p:cond delay="0"/>
-                                          </p:stCondLst>
-                                        </p:cTn>
-                                        <p:tgtEl>
-                                          <p:spTgt spid="37"/>
-                                        </p:tgtEl>
-                                        <p:attrNameLst>
-                                          <p:attrName>style.visibility</p:attrName>
-                                        </p:attrNameLst>
-                                      </p:cBhvr>
-                                      <p:to>
-                                        <p:strVal val="visible"/>
-                                      </p:to>
-                                    </p:set>
-                                  </p:childTnLst>
-                                </p:cTn>
-                              </p:par>
-                              <p:par>
-                                <p:cTn id="27" presetID="1" presetClass="entr" presetSubtype="0" fill="hold" grpId="0" nodeType="withEffect">
-                                  <p:stCondLst>
-                                    <p:cond delay="0"/>
-                                  </p:stCondLst>
-                                  <p:childTnLst>
-                                    <p:set>
-                                      <p:cBhvr>
-                                        <p:cTn id="28" dur="1" fill="hold">
-                                          <p:stCondLst>
-                                            <p:cond delay="0"/>
-                                          </p:stCondLst>
-                                        </p:cTn>
-                                        <p:tgtEl>
-                                          <p:spTgt spid="38"/>
-                                        </p:tgtEl>
-                                        <p:attrNameLst>
-                                          <p:attrName>style.visibility</p:attrName>
-                                        </p:attrNameLst>
-                                      </p:cBhvr>
-                                      <p:to>
-                                        <p:strVal val="visible"/>
-                                      </p:to>
-                                    </p:set>
-                                  </p:childTnLst>
-                                </p:cTn>
-                              </p:par>
-                              <p:par>
-                                <p:cTn id="29" presetID="1" presetClass="entr" presetSubtype="0" fill="hold" grpId="0" nodeType="withEffect">
-                                  <p:stCondLst>
-                                    <p:cond delay="0"/>
-                                  </p:stCondLst>
-                                  <p:childTnLst>
-                                    <p:set>
-                                      <p:cBhvr>
-                                        <p:cTn id="30" dur="1" fill="hold">
-                                          <p:stCondLst>
-                                            <p:cond delay="0"/>
-                                          </p:stCondLst>
-                                        </p:cTn>
-                                        <p:tgtEl>
-                                          <p:spTgt spid="41"/>
-                                        </p:tgtEl>
-                                        <p:attrNameLst>
-                                          <p:attrName>style.visibility</p:attrName>
-                                        </p:attrNameLst>
-                                      </p:cBhvr>
-                                      <p:to>
-                                        <p:strVal val="visible"/>
-                                      </p:to>
-                                    </p:set>
-                                  </p:childTnLst>
-                                </p:cTn>
-                              </p:par>
-                              <p:par>
-                                <p:cTn id="31" presetID="1" presetClass="entr" presetSubtype="0" fill="hold" grpId="0" nodeType="withEffect">
-                                  <p:stCondLst>
-                                    <p:cond delay="0"/>
-                                  </p:stCondLst>
-                                  <p:childTnLst>
-                                    <p:set>
-                                      <p:cBhvr>
-                                        <p:cTn id="32" dur="1" fill="hold">
-                                          <p:stCondLst>
-                                            <p:cond delay="0"/>
-                                          </p:stCondLst>
-                                        </p:cTn>
-                                        <p:tgtEl>
-                                          <p:spTgt spid="43"/>
-                                        </p:tgtEl>
-                                        <p:attrNameLst>
-                                          <p:attrName>style.visibility</p:attrName>
-                                        </p:attrNameLst>
-                                      </p:cBhvr>
-                                      <p:to>
-                                        <p:strVal val="visible"/>
-                                      </p:to>
-                                    </p:set>
-                                  </p:childTnLst>
-                                </p:cTn>
-                              </p:par>
-                              <p:par>
-                                <p:cTn id="33" presetID="1" presetClass="entr" presetSubtype="0" fill="hold" grpId="1" nodeType="withEffect">
-                                  <p:stCondLst>
-                                    <p:cond delay="0"/>
-                                  </p:stCondLst>
-                                  <p:childTnLst>
-                                    <p:set>
-                                      <p:cBhvr>
-                                        <p:cTn id="34" dur="1" fill="hold">
-                                          <p:stCondLst>
-                                            <p:cond delay="0"/>
-                                          </p:stCondLst>
-                                        </p:cTn>
-                                        <p:tgtEl>
-                                          <p:spTgt spid="30"/>
-                                        </p:tgtEl>
-                                        <p:attrNameLst>
-                                          <p:attrName>style.visibility</p:attrName>
-                                        </p:attrNameLst>
-                                      </p:cBhvr>
-                                      <p:to>
-                                        <p:strVal val="visible"/>
-                                      </p:to>
-                                    </p:set>
-                                  </p:childTnLst>
-                                </p:cTn>
-                              </p:par>
-                              <p:par>
-                                <p:cTn id="35" presetID="1" presetClass="entr" presetSubtype="0" fill="hold" grpId="1" nodeType="withEffect">
-                                  <p:stCondLst>
-                                    <p:cond delay="0"/>
-                                  </p:stCondLst>
-                                  <p:childTnLst>
-                                    <p:set>
-                                      <p:cBhvr>
-                                        <p:cTn id="36" dur="1" fill="hold">
-                                          <p:stCondLst>
-                                            <p:cond delay="0"/>
-                                          </p:stCondLst>
-                                        </p:cTn>
-                                        <p:tgtEl>
-                                          <p:spTgt spid="29"/>
-                                        </p:tgtEl>
-                                        <p:attrNameLst>
-                                          <p:attrName>style.visibility</p:attrName>
-                                        </p:attrNameLst>
-                                      </p:cBhvr>
-                                      <p:to>
-                                        <p:strVal val="visible"/>
-                                      </p:to>
-                                    </p:set>
-                                  </p:childTnLst>
-                                </p:cTn>
-                              </p:par>
-                              <p:par>
-                                <p:cTn id="37" presetID="1" presetClass="entr" presetSubtype="0" fill="hold" grpId="1" nodeType="withEffect">
-                                  <p:stCondLst>
-                                    <p:cond delay="0"/>
-                                  </p:stCondLst>
-                                  <p:childTnLst>
-                                    <p:set>
-                                      <p:cBhvr>
-                                        <p:cTn id="38" dur="1" fill="hold">
-                                          <p:stCondLst>
-                                            <p:cond delay="0"/>
-                                          </p:stCondLst>
-                                        </p:cTn>
-                                        <p:tgtEl>
-                                          <p:spTgt spid="28"/>
-                                        </p:tgtEl>
-                                        <p:attrNameLst>
-                                          <p:attrName>style.visibility</p:attrName>
-                                        </p:attrNameLst>
-                                      </p:cBhvr>
-                                      <p:to>
-                                        <p:strVal val="visible"/>
-                                      </p:to>
-                                    </p:set>
-                                  </p:childTnLst>
-                                </p:cTn>
-                              </p:par>
-                              <p:par>
-                                <p:cTn id="39" presetID="1" presetClass="entr" presetSubtype="0" fill="hold" grpId="1" nodeType="withEffect">
-                                  <p:stCondLst>
-                                    <p:cond delay="0"/>
-                                  </p:stCondLst>
-                                  <p:childTnLst>
-                                    <p:set>
-                                      <p:cBhvr>
-                                        <p:cTn id="40" dur="1" fill="hold">
-                                          <p:stCondLst>
-                                            <p:cond delay="0"/>
-                                          </p:stCondLst>
-                                        </p:cTn>
-                                        <p:tgtEl>
-                                          <p:spTgt spid="33"/>
-                                        </p:tgtEl>
-                                        <p:attrNameLst>
-                                          <p:attrName>style.visibility</p:attrName>
-                                        </p:attrNameLst>
-                                      </p:cBhvr>
-                                      <p:to>
-                                        <p:strVal val="visible"/>
-                                      </p:to>
-                                    </p:set>
-                                  </p:childTnLst>
-                                </p:cTn>
-                              </p:par>
-                              <p:par>
-                                <p:cTn id="41" presetID="1" presetClass="entr" presetSubtype="0" fill="hold" grpId="1" nodeType="withEffect">
-                                  <p:stCondLst>
-                                    <p:cond delay="0"/>
-                                  </p:stCondLst>
-                                  <p:childTnLst>
-                                    <p:set>
-                                      <p:cBhvr>
-                                        <p:cTn id="42" dur="1" fill="hold">
-                                          <p:stCondLst>
-                                            <p:cond delay="0"/>
-                                          </p:stCondLst>
-                                        </p:cTn>
-                                        <p:tgtEl>
-                                          <p:spTgt spid="32"/>
-                                        </p:tgtEl>
-                                        <p:attrNameLst>
-                                          <p:attrName>style.visibility</p:attrName>
-                                        </p:attrNameLst>
-                                      </p:cBhvr>
-                                      <p:to>
-                                        <p:strVal val="visible"/>
-                                      </p:to>
-                                    </p:set>
-                                  </p:childTnLst>
-                                </p:cTn>
-                              </p:par>
-                              <p:par>
-                                <p:cTn id="43" presetID="1" presetClass="entr" presetSubtype="0" fill="hold" grpId="1" nodeType="withEffect">
-                                  <p:stCondLst>
-                                    <p:cond delay="0"/>
-                                  </p:stCondLst>
-                                  <p:childTnLst>
-                                    <p:set>
-                                      <p:cBhvr>
-                                        <p:cTn id="44" dur="1" fill="hold">
-                                          <p:stCondLst>
-                                            <p:cond delay="0"/>
-                                          </p:stCondLst>
-                                        </p:cTn>
-                                        <p:tgtEl>
-                                          <p:spTgt spid="31"/>
-                                        </p:tgtEl>
-                                        <p:attrNameLst>
-                                          <p:attrName>style.visibility</p:attrName>
-                                        </p:attrNameLst>
-                                      </p:cBhvr>
-                                      <p:to>
-                                        <p:strVal val="visible"/>
-                                      </p:to>
-                                    </p:set>
-                                  </p:childTnLst>
-                                </p:cTn>
-                              </p:par>
-                              <p:par>
-                                <p:cTn id="45" presetID="1" presetClass="entr" presetSubtype="0" fill="hold" grpId="1" nodeType="withEffect">
-                                  <p:stCondLst>
-                                    <p:cond delay="0"/>
-                                  </p:stCondLst>
-                                  <p:childTnLst>
-                                    <p:set>
-                                      <p:cBhvr>
-                                        <p:cTn id="46" dur="1" fill="hold">
-                                          <p:stCondLst>
-                                            <p:cond delay="0"/>
-                                          </p:stCondLst>
-                                        </p:cTn>
-                                        <p:tgtEl>
-                                          <p:spTgt spid="36"/>
-                                        </p:tgtEl>
-                                        <p:attrNameLst>
-                                          <p:attrName>style.visibility</p:attrName>
-                                        </p:attrNameLst>
-                                      </p:cBhvr>
-                                      <p:to>
-                                        <p:strVal val="visible"/>
-                                      </p:to>
-                                    </p:set>
-                                  </p:childTnLst>
-                                </p:cTn>
-                              </p:par>
-                              <p:par>
-                                <p:cTn id="47" presetID="1" presetClass="entr" presetSubtype="0" fill="hold" grpId="0" nodeType="withEffect">
-                                  <p:stCondLst>
-                                    <p:cond delay="0"/>
-                                  </p:stCondLst>
-                                  <p:childTnLst>
-                                    <p:set>
-                                      <p:cBhvr>
-                                        <p:cTn id="48" dur="1" fill="hold">
-                                          <p:stCondLst>
-                                            <p:cond delay="0"/>
-                                          </p:stCondLst>
-                                        </p:cTn>
-                                        <p:tgtEl>
-                                          <p:spTgt spid="35"/>
-                                        </p:tgtEl>
-                                        <p:attrNameLst>
-                                          <p:attrName>style.visibility</p:attrName>
-                                        </p:attrNameLst>
-                                      </p:cBhvr>
-                                      <p:to>
-                                        <p:strVal val="visible"/>
-                                      </p:to>
-                                    </p:set>
-                                  </p:childTnLst>
-                                </p:cTn>
-                              </p:par>
-                              <p:par>
-                                <p:cTn id="49" presetID="1" presetClass="entr" presetSubtype="0" fill="hold" grpId="1" nodeType="withEffect">
-                                  <p:stCondLst>
-                                    <p:cond delay="0"/>
-                                  </p:stCondLst>
-                                  <p:childTnLst>
-                                    <p:set>
-                                      <p:cBhvr>
-                                        <p:cTn id="50" dur="1" fill="hold">
-                                          <p:stCondLst>
-                                            <p:cond delay="0"/>
-                                          </p:stCondLst>
-                                        </p:cTn>
-                                        <p:tgtEl>
-                                          <p:spTgt spid="34"/>
-                                        </p:tgtEl>
-                                        <p:attrNameLst>
-                                          <p:attrName>style.visibility</p:attrName>
-                                        </p:attrNameLst>
-                                      </p:cBhvr>
-                                      <p:to>
-                                        <p:strVal val="visible"/>
-                                      </p:to>
-                                    </p:set>
-                                  </p:childTnLst>
-                                </p:cTn>
-                              </p:par>
-                              <p:par>
-                                <p:cTn id="51" presetID="1" presetClass="entr" presetSubtype="0" fill="hold" grpId="0" nodeType="withEffect">
-                                  <p:stCondLst>
-                                    <p:cond delay="0"/>
-                                  </p:stCondLst>
-                                  <p:childTnLst>
-                                    <p:set>
-                                      <p:cBhvr>
-                                        <p:cTn id="52" dur="1" fill="hold">
-                                          <p:stCondLst>
-                                            <p:cond delay="0"/>
-                                          </p:stCondLst>
-                                        </p:cTn>
-                                        <p:tgtEl>
-                                          <p:spTgt spid="17"/>
-                                        </p:tgtEl>
-                                        <p:attrNameLst>
-                                          <p:attrName>style.visibility</p:attrName>
-                                        </p:attrNameLst>
-                                      </p:cBhvr>
-                                      <p:to>
-                                        <p:strVal val="visible"/>
-                                      </p:to>
-                                    </p:set>
-                                  </p:childTnLst>
-                                </p:cTn>
-                              </p:par>
-                              <p:par>
-                                <p:cTn id="53" presetID="1" presetClass="entr" presetSubtype="0" fill="hold" grpId="0" nodeType="withEffect">
-                                  <p:stCondLst>
-                                    <p:cond delay="0"/>
-                                  </p:stCondLst>
-                                  <p:childTnLst>
-                                    <p:set>
-                                      <p:cBhvr>
-                                        <p:cTn id="54" dur="1" fill="hold">
-                                          <p:stCondLst>
-                                            <p:cond delay="0"/>
-                                          </p:stCondLst>
-                                        </p:cTn>
-                                        <p:tgtEl>
-                                          <p:spTgt spid="44"/>
-                                        </p:tgtEl>
-                                        <p:attrNameLst>
-                                          <p:attrName>style.visibility</p:attrName>
-                                        </p:attrNameLst>
-                                      </p:cBhvr>
-                                      <p:to>
-                                        <p:strVal val="visible"/>
-                                      </p:to>
-                                    </p:set>
-                                  </p:childTnLst>
-                                </p:cTn>
-                              </p:par>
-                              <p:par>
-                                <p:cTn id="55" presetID="1" presetClass="entr" presetSubtype="0" fill="hold" grpId="0" nodeType="withEffect">
-                                  <p:stCondLst>
-                                    <p:cond delay="0"/>
-                                  </p:stCondLst>
-                                  <p:childTnLst>
-                                    <p:set>
-                                      <p:cBhvr>
-                                        <p:cTn id="56" dur="1" fill="hold">
-                                          <p:stCondLst>
-                                            <p:cond delay="0"/>
-                                          </p:stCondLst>
-                                        </p:cTn>
-                                        <p:tgtEl>
-                                          <p:spTgt spid="39"/>
-                                        </p:tgtEl>
-                                        <p:attrNameLst>
-                                          <p:attrName>style.visibility</p:attrName>
-                                        </p:attrNameLst>
-                                      </p:cBhvr>
-                                      <p:to>
-                                        <p:strVal val="visible"/>
-                                      </p:to>
-                                    </p:set>
-                                  </p:childTnLst>
-                                </p:cTn>
-                              </p:par>
-                              <p:par>
-                                <p:cTn id="57" presetID="1" presetClass="entr" presetSubtype="0" fill="hold" grpId="0" nodeType="withEffect">
-                                  <p:stCondLst>
-                                    <p:cond delay="0"/>
-                                  </p:stCondLst>
-                                  <p:childTnLst>
-                                    <p:set>
-                                      <p:cBhvr>
-                                        <p:cTn id="58" dur="1" fill="hold">
-                                          <p:stCondLst>
-                                            <p:cond delay="0"/>
-                                          </p:stCondLst>
-                                        </p:cTn>
-                                        <p:tgtEl>
-                                          <p:spTgt spid="40"/>
-                                        </p:tgtEl>
-                                        <p:attrNameLst>
-                                          <p:attrName>style.visibility</p:attrName>
-                                        </p:attrNameLst>
-                                      </p:cBhvr>
-                                      <p:to>
-                                        <p:strVal val="visible"/>
-                                      </p:to>
-                                    </p:set>
-                                  </p:childTnLst>
-                                </p:cTn>
-                              </p:par>
-                              <p:par>
-                                <p:cTn id="59" presetID="1" presetClass="entr" presetSubtype="0" fill="hold" grpId="0" nodeType="withEffect">
-                                  <p:stCondLst>
-                                    <p:cond delay="0"/>
-                                  </p:stCondLst>
-                                  <p:childTnLst>
-                                    <p:set>
-                                      <p:cBhvr>
-                                        <p:cTn id="60" dur="1" fill="hold">
-                                          <p:stCondLst>
-                                            <p:cond delay="0"/>
-                                          </p:stCondLst>
-                                        </p:cTn>
-                                        <p:tgtEl>
-                                          <p:spTgt spid="45"/>
-                                        </p:tgtEl>
-                                        <p:attrNameLst>
-                                          <p:attrName>style.visibility</p:attrName>
-                                        </p:attrNameLst>
-                                      </p:cBhvr>
-                                      <p:to>
-                                        <p:strVal val="visible"/>
-                                      </p:to>
-                                    </p:set>
-                                  </p:childTnLst>
-                                </p:cTn>
-                              </p:par>
-                            </p:childTnLst>
-                          </p:cTn>
-                        </p:par>
-                      </p:childTnLst>
-                    </p:cTn>
-                  </p:par>
-                  <p:par>
-                    <p:cTn id="61" fill="hold">
-                      <p:stCondLst>
-                        <p:cond delay="indefinite"/>
-                      </p:stCondLst>
-                      <p:childTnLst>
-                        <p:par>
-                          <p:cTn id="62" fill="hold">
-                            <p:stCondLst>
-                              <p:cond delay="0"/>
-                            </p:stCondLst>
-                            <p:childTnLst>
-                              <p:par>
-                                <p:cTn id="63" presetID="42" presetClass="path" presetSubtype="0" accel="50000" decel="50000" fill="hold" grpId="0" nodeType="clickEffect">
-                                  <p:stCondLst>
-                                    <p:cond delay="0"/>
-                                  </p:stCondLst>
-                                  <p:childTnLst>
-                                    <p:animMotion origin="layout" path="M -0.00498 -0.00249 L 0.4049 0.37744 " pathEditMode="relative" rAng="0" ptsTypes="AA">
-                                      <p:cBhvr>
-                                        <p:cTn id="64" dur="2000" fill="hold"/>
-                                        <p:tgtEl>
-                                          <p:spTgt spid="21"/>
-                                        </p:tgtEl>
-                                        <p:attrNameLst>
-                                          <p:attrName>ppt_x</p:attrName>
-                                          <p:attrName>ppt_y</p:attrName>
-                                        </p:attrNameLst>
-                                      </p:cBhvr>
-                                      <p:rCtr x="20488" y="18997"/>
-                                    </p:animMotion>
-                                  </p:childTnLst>
-                                </p:cTn>
-                              </p:par>
-                              <p:par>
-                                <p:cTn id="65" presetID="42" presetClass="path" presetSubtype="0" accel="50000" decel="50000" fill="hold" grpId="0" nodeType="withEffect">
-                                  <p:stCondLst>
-                                    <p:cond delay="0"/>
-                                  </p:stCondLst>
-                                  <p:childTnLst>
-                                    <p:animMotion origin="layout" path="M -0.00549 0.00205 L 0.56421 0.61644 " pathEditMode="relative" rAng="0" ptsTypes="AA">
-                                      <p:cBhvr>
-                                        <p:cTn id="66" dur="2000" fill="hold"/>
-                                        <p:tgtEl>
-                                          <p:spTgt spid="20"/>
-                                        </p:tgtEl>
-                                        <p:attrNameLst>
-                                          <p:attrName>ppt_x</p:attrName>
-                                          <p:attrName>ppt_y</p:attrName>
-                                        </p:attrNameLst>
-                                      </p:cBhvr>
-                                      <p:rCtr x="28478" y="30708"/>
-                                    </p:animMotion>
-                                  </p:childTnLst>
-                                </p:cTn>
-                              </p:par>
-                              <p:par>
-                                <p:cTn id="67" presetID="42" presetClass="path" presetSubtype="0" accel="50000" decel="50000" fill="hold" grpId="0" nodeType="withEffect">
-                                  <p:stCondLst>
-                                    <p:cond delay="0"/>
-                                  </p:stCondLst>
-                                  <p:childTnLst>
-                                    <p:animMotion origin="layout" path="M 0.01511 0.00393 L 0.58737 0.66412 " pathEditMode="relative" rAng="0" ptsTypes="AA">
-                                      <p:cBhvr>
-                                        <p:cTn id="68" dur="2000" fill="hold"/>
-                                        <p:tgtEl>
-                                          <p:spTgt spid="19"/>
-                                        </p:tgtEl>
-                                        <p:attrNameLst>
-                                          <p:attrName>ppt_x</p:attrName>
-                                          <p:attrName>ppt_y</p:attrName>
-                                        </p:attrNameLst>
-                                      </p:cBhvr>
-                                      <p:rCtr x="28607" y="33009"/>
-                                    </p:animMotion>
-                                  </p:childTnLst>
-                                </p:cTn>
-                              </p:par>
-                              <p:par>
-                                <p:cTn id="69" presetID="42" presetClass="path" presetSubtype="0" accel="50000" decel="50000" fill="hold" grpId="0" nodeType="withEffect">
-                                  <p:stCondLst>
-                                    <p:cond delay="0"/>
-                                  </p:stCondLst>
-                                  <p:childTnLst>
-                                    <p:animMotion origin="layout" path="M -0.01327 -5.44712E-8 L 0.67884 0.234 " pathEditMode="relative" rAng="0" ptsTypes="AA">
-                                      <p:cBhvr>
-                                        <p:cTn id="70" dur="2000" fill="hold"/>
-                                        <p:tgtEl>
-                                          <p:spTgt spid="24"/>
-                                        </p:tgtEl>
-                                        <p:attrNameLst>
-                                          <p:attrName>ppt_x</p:attrName>
-                                          <p:attrName>ppt_y</p:attrName>
-                                        </p:attrNameLst>
-                                      </p:cBhvr>
-                                      <p:rCtr x="34606" y="11689"/>
-                                    </p:animMotion>
-                                  </p:childTnLst>
-                                </p:cTn>
-                              </p:par>
-                              <p:par>
-                                <p:cTn id="71" presetID="42" presetClass="path" presetSubtype="0" accel="50000" decel="50000" fill="hold" grpId="0" nodeType="withEffect">
-                                  <p:stCondLst>
-                                    <p:cond delay="0"/>
-                                  </p:stCondLst>
-                                  <p:childTnLst>
-                                    <p:animMotion origin="layout" path="M -0.00715 3.87199E-6 L 0.70475 0.18043 " pathEditMode="relative" rAng="0" ptsTypes="AA">
-                                      <p:cBhvr>
-                                        <p:cTn id="72" dur="2000" fill="hold"/>
-                                        <p:tgtEl>
-                                          <p:spTgt spid="23"/>
-                                        </p:tgtEl>
-                                        <p:attrNameLst>
-                                          <p:attrName>ppt_x</p:attrName>
-                                          <p:attrName>ppt_y</p:attrName>
-                                        </p:attrNameLst>
-                                      </p:cBhvr>
-                                      <p:rCtr x="35588" y="9010"/>
-                                    </p:animMotion>
-                                  </p:childTnLst>
-                                </p:cTn>
-                              </p:par>
-                              <p:par>
-                                <p:cTn id="73" presetID="42" presetClass="path" presetSubtype="0" accel="50000" decel="50000" fill="hold" grpId="0" nodeType="withEffect">
-                                  <p:stCondLst>
-                                    <p:cond delay="0"/>
-                                  </p:stCondLst>
-                                  <p:childTnLst>
-                                    <p:animMotion origin="layout" path="M -0.00575 0.00567 L 0.40337 0.32433 " pathEditMode="relative" rAng="0" ptsTypes="AA">
-                                      <p:cBhvr>
-                                        <p:cTn id="74" dur="2000" fill="hold"/>
-                                        <p:tgtEl>
-                                          <p:spTgt spid="22"/>
-                                        </p:tgtEl>
-                                        <p:attrNameLst>
-                                          <p:attrName>ppt_x</p:attrName>
-                                          <p:attrName>ppt_y</p:attrName>
-                                        </p:attrNameLst>
-                                      </p:cBhvr>
-                                      <p:rCtr x="20449" y="15933"/>
-                                    </p:animMotion>
-                                  </p:childTnLst>
-                                </p:cTn>
-                              </p:par>
-                              <p:par>
-                                <p:cTn id="75" presetID="42" presetClass="path" presetSubtype="0" accel="50000" decel="50000" fill="hold" grpId="0" nodeType="withEffect">
-                                  <p:stCondLst>
-                                    <p:cond delay="0"/>
-                                  </p:stCondLst>
-                                  <p:childTnLst>
-                                    <p:animMotion origin="layout" path="M -0.00715 -0.01089 L 0.56089 0.49864 " pathEditMode="relative" rAng="0" ptsTypes="AA">
-                                      <p:cBhvr>
-                                        <p:cTn id="76" dur="2000" fill="hold"/>
-                                        <p:tgtEl>
-                                          <p:spTgt spid="27"/>
-                                        </p:tgtEl>
-                                        <p:attrNameLst>
-                                          <p:attrName>ppt_x</p:attrName>
-                                          <p:attrName>ppt_y</p:attrName>
-                                        </p:attrNameLst>
-                                      </p:cBhvr>
-                                      <p:rCtr x="28402" y="25465"/>
-                                    </p:animMotion>
-                                  </p:childTnLst>
-                                </p:cTn>
-                              </p:par>
-                              <p:par>
-                                <p:cTn id="77" presetID="42" presetClass="path" presetSubtype="0" accel="50000" decel="50000" fill="hold" grpId="0" nodeType="withEffect">
-                                  <p:stCondLst>
-                                    <p:cond delay="0"/>
-                                  </p:stCondLst>
-                                  <p:childTnLst>
-                                    <p:animMotion origin="layout" path="M 0.00281 0.00613 L 0.43031 0.16365 " pathEditMode="relative" rAng="0" ptsTypes="AA">
-                                      <p:cBhvr>
-                                        <p:cTn id="78" dur="2000" fill="hold"/>
-                                        <p:tgtEl>
-                                          <p:spTgt spid="26"/>
-                                        </p:tgtEl>
-                                        <p:attrNameLst>
-                                          <p:attrName>ppt_x</p:attrName>
-                                          <p:attrName>ppt_y</p:attrName>
-                                        </p:attrNameLst>
-                                      </p:cBhvr>
-                                      <p:rCtr x="21368" y="7876"/>
-                                    </p:animMotion>
-                                  </p:childTnLst>
-                                </p:cTn>
-                              </p:par>
-                              <p:par>
-                                <p:cTn id="79" presetID="42" presetClass="path" presetSubtype="0" accel="50000" decel="50000" fill="hold" grpId="0" nodeType="withEffect">
-                                  <p:stCondLst>
-                                    <p:cond delay="0"/>
-                                  </p:stCondLst>
-                                  <p:childTnLst>
-                                    <p:animMotion origin="layout" path="M 1.1999E-6 0.00545 L 0.43158 0.21812 " pathEditMode="relative" rAng="0" ptsTypes="AA">
-                                      <p:cBhvr>
-                                        <p:cTn id="80" dur="2000" fill="hold"/>
-                                        <p:tgtEl>
-                                          <p:spTgt spid="25"/>
-                                        </p:tgtEl>
-                                        <p:attrNameLst>
-                                          <p:attrName>ppt_x</p:attrName>
-                                          <p:attrName>ppt_y</p:attrName>
-                                        </p:attrNameLst>
-                                      </p:cBhvr>
-                                      <p:rCtr x="21573" y="10622"/>
-                                    </p:animMotion>
-                                  </p:childTnLst>
-                                </p:cTn>
-                              </p:par>
-                              <p:par>
-                                <p:cTn id="81" presetID="42" presetClass="path" presetSubtype="0" accel="50000" decel="50000" fill="hold" grpId="0" nodeType="withEffect">
-                                  <p:stCondLst>
-                                    <p:cond delay="0"/>
-                                  </p:stCondLst>
-                                  <p:childTnLst>
-                                    <p:animMotion origin="layout" path="M -0.00613 3.78121E-6 L 0.68317 -0.14776 " pathEditMode="relative" rAng="0" ptsTypes="AA">
-                                      <p:cBhvr>
-                                        <p:cTn id="82" dur="2000" fill="hold"/>
-                                        <p:tgtEl>
-                                          <p:spTgt spid="30"/>
-                                        </p:tgtEl>
-                                        <p:attrNameLst>
-                                          <p:attrName>ppt_x</p:attrName>
-                                          <p:attrName>ppt_y</p:attrName>
-                                        </p:attrNameLst>
-                                      </p:cBhvr>
-                                      <p:rCtr x="34465" y="-7399"/>
-                                    </p:animMotion>
-                                  </p:childTnLst>
-                                </p:cTn>
-                              </p:par>
-                              <p:par>
-                                <p:cTn id="83" presetID="42" presetClass="path" presetSubtype="0" accel="50000" decel="50000" fill="hold" grpId="0" nodeType="withEffect">
-                                  <p:stCondLst>
-                                    <p:cond delay="0"/>
-                                  </p:stCondLst>
-                                  <p:childTnLst>
-                                    <p:animMotion origin="layout" path="M -0.00919 -0.00386 L 0.70462 -0.08897 " pathEditMode="relative" rAng="0" ptsTypes="AA">
-                                      <p:cBhvr>
-                                        <p:cTn id="84" dur="2000" fill="hold"/>
-                                        <p:tgtEl>
-                                          <p:spTgt spid="29"/>
-                                        </p:tgtEl>
-                                        <p:attrNameLst>
-                                          <p:attrName>ppt_x</p:attrName>
-                                          <p:attrName>ppt_y</p:attrName>
-                                        </p:attrNameLst>
-                                      </p:cBhvr>
-                                      <p:rCtr x="35691" y="-4267"/>
-                                    </p:animMotion>
-                                  </p:childTnLst>
-                                </p:cTn>
-                              </p:par>
-                              <p:par>
-                                <p:cTn id="85" presetID="42" presetClass="path" presetSubtype="0" accel="50000" decel="50000" fill="hold" grpId="0" nodeType="withEffect">
-                                  <p:stCondLst>
-                                    <p:cond delay="0"/>
-                                  </p:stCondLst>
-                                  <p:childTnLst>
-                                    <p:animMotion origin="layout" path="M -0.0037 0.00953 L 0.56817 0.22697 " pathEditMode="relative" rAng="0" ptsTypes="AA">
-                                      <p:cBhvr>
-                                        <p:cTn id="86" dur="2000" fill="hold"/>
-                                        <p:tgtEl>
-                                          <p:spTgt spid="28"/>
-                                        </p:tgtEl>
-                                        <p:attrNameLst>
-                                          <p:attrName>ppt_x</p:attrName>
-                                          <p:attrName>ppt_y</p:attrName>
-                                        </p:attrNameLst>
-                                      </p:cBhvr>
-                                      <p:rCtr x="28593" y="10872"/>
-                                    </p:animMotion>
-                                  </p:childTnLst>
-                                </p:cTn>
-                              </p:par>
-                              <p:par>
-                                <p:cTn id="87" presetID="42" presetClass="path" presetSubtype="0" accel="50000" decel="50000" fill="hold" grpId="0" nodeType="withEffect">
-                                  <p:stCondLst>
-                                    <p:cond delay="0"/>
-                                  </p:stCondLst>
-                                  <p:childTnLst>
-                                    <p:animMotion origin="layout" path="M 0.00051 -0.10645 L 0.59268 0.17499 " pathEditMode="relative" rAng="0" ptsTypes="AA">
-                                      <p:cBhvr>
-                                        <p:cTn id="88" dur="2000" fill="hold"/>
-                                        <p:tgtEl>
-                                          <p:spTgt spid="33"/>
-                                        </p:tgtEl>
-                                        <p:attrNameLst>
-                                          <p:attrName>ppt_x</p:attrName>
-                                          <p:attrName>ppt_y</p:attrName>
-                                        </p:attrNameLst>
-                                      </p:cBhvr>
-                                      <p:rCtr x="29602" y="14072"/>
-                                    </p:animMotion>
-                                  </p:childTnLst>
-                                </p:cTn>
-                              </p:par>
-                              <p:par>
-                                <p:cTn id="89" presetID="42" presetClass="path" presetSubtype="0" accel="50000" decel="50000" fill="hold" grpId="0" nodeType="withEffect">
-                                  <p:stCondLst>
-                                    <p:cond delay="0"/>
-                                  </p:stCondLst>
-                                  <p:childTnLst>
-                                    <p:animMotion origin="layout" path="M -0.00154 0.01112 L 0.70679 -0.15116 " pathEditMode="relative" rAng="0" ptsTypes="AA">
-                                      <p:cBhvr>
-                                        <p:cTn id="90" dur="2000" fill="hold"/>
-                                        <p:tgtEl>
-                                          <p:spTgt spid="32"/>
-                                        </p:tgtEl>
-                                        <p:attrNameLst>
-                                          <p:attrName>ppt_x</p:attrName>
-                                          <p:attrName>ppt_y</p:attrName>
-                                        </p:attrNameLst>
-                                      </p:cBhvr>
-                                      <p:rCtr x="35410" y="-8125"/>
-                                    </p:animMotion>
-                                  </p:childTnLst>
-                                </p:cTn>
-                              </p:par>
-                              <p:par>
-                                <p:cTn id="91" presetID="42" presetClass="path" presetSubtype="0" accel="50000" decel="50000" fill="hold" grpId="0" nodeType="withEffect">
-                                  <p:stCondLst>
-                                    <p:cond delay="0"/>
-                                  </p:stCondLst>
-                                  <p:childTnLst>
-                                    <p:animMotion origin="layout" path="M -4.04136E-6 -1.97458E-6 L 0.59268 0.0715 " pathEditMode="relative" rAng="0" ptsTypes="AA">
-                                      <p:cBhvr>
-                                        <p:cTn id="92" dur="2000" fill="hold"/>
-                                        <p:tgtEl>
-                                          <p:spTgt spid="31"/>
-                                        </p:tgtEl>
-                                        <p:attrNameLst>
-                                          <p:attrName>ppt_x</p:attrName>
-                                          <p:attrName>ppt_y</p:attrName>
-                                        </p:attrNameLst>
-                                      </p:cBhvr>
-                                      <p:rCtr x="29627" y="3563"/>
-                                    </p:animMotion>
-                                  </p:childTnLst>
-                                </p:cTn>
-                              </p:par>
-                              <p:par>
-                                <p:cTn id="93" presetID="42" presetClass="path" presetSubtype="0" accel="50000" decel="50000" fill="hold" grpId="0" nodeType="withEffect">
-                                  <p:stCondLst>
-                                    <p:cond delay="0"/>
-                                  </p:stCondLst>
-                                  <p:childTnLst>
-                                    <p:animMotion origin="layout" path="M -0.00396 4.4167E-6 L 0.40873 -0.16342 " pathEditMode="relative" rAng="0" ptsTypes="AA">
-                                      <p:cBhvr>
-                                        <p:cTn id="94" dur="2000" fill="hold"/>
-                                        <p:tgtEl>
-                                          <p:spTgt spid="36"/>
-                                        </p:tgtEl>
-                                        <p:attrNameLst>
-                                          <p:attrName>ppt_x</p:attrName>
-                                          <p:attrName>ppt_y</p:attrName>
-                                        </p:attrNameLst>
-                                      </p:cBhvr>
-                                      <p:rCtr x="20628" y="-8171"/>
-                                    </p:animMotion>
-                                  </p:childTnLst>
-                                </p:cTn>
-                              </p:par>
-                              <p:par>
-                                <p:cTn id="95" presetID="42" presetClass="path" presetSubtype="0" accel="50000" decel="50000" fill="hold" grpId="0" nodeType="withEffect">
-                                  <p:stCondLst>
-                                    <p:cond delay="0"/>
-                                  </p:stCondLst>
-                                  <p:childTnLst>
-                                    <p:animMotion origin="layout" path="M -0.00778 -3.8039E-6 L 0.68292 -0.25715 " pathEditMode="relative" rAng="0" ptsTypes="AA">
-                                      <p:cBhvr>
-                                        <p:cTn id="96" dur="2000" fill="hold"/>
-                                        <p:tgtEl>
-                                          <p:spTgt spid="34"/>
-                                        </p:tgtEl>
-                                        <p:attrNameLst>
-                                          <p:attrName>ppt_x</p:attrName>
-                                          <p:attrName>ppt_y</p:attrName>
-                                        </p:attrNameLst>
-                                      </p:cBhvr>
-                                      <p:rCtr x="34529" y="-12869"/>
-                                    </p:animMotion>
-                                  </p:childTnLst>
-                                </p:cTn>
-                              </p:par>
-                            </p:childTnLst>
-                          </p:cTn>
-                        </p:par>
-                      </p:childTnLst>
-                    </p:cTn>
-                  </p:par>
-                </p:childTnLst>
-              </p:cTn>
-              <p:prevCondLst>
-                <p:cond evt="onPrev" delay="0">
-                  <p:tgtEl>
-                    <p:sldTgt/>
-                  </p:tgtEl>
-                </p:cond>
-              </p:prevCondLst>
-              <p:nextCondLst>
-                <p:cond evt="onNext" delay="0">
-                  <p:tgtEl>
-                    <p:sldTgt/>
-                  </p:tgtEl>
-                </p:cond>
-              </p:nextCondLst>
-            </p:seq>
-          </p:childTnLst>
-        </p:cTn>
-      </p:par>
-    </p:tnLst>
-    <p:bldLst>
-      <p:bldP spid="17" grpId="0" animBg="1"/>
-      <p:bldP spid="18" grpId="0" animBg="1"/>
-      <p:bldP spid="19" grpId="0" animBg="1"/>
-      <p:bldP spid="19" grpId="1" animBg="1"/>
-      <p:bldP spid="20" grpId="0" animBg="1"/>
-      <p:bldP spid="20" grpId="1" animBg="1"/>
-      <p:bldP spid="21" grpId="0" animBg="1"/>
-      <p:bldP spid="21" grpId="1" animBg="1"/>
-      <p:bldP spid="22" grpId="0" animBg="1"/>
-      <p:bldP spid="22" grpId="1" animBg="1"/>
-      <p:bldP spid="23" grpId="0" animBg="1"/>
-      <p:bldP spid="23" grpId="1" animBg="1"/>
-      <p:bldP spid="24" grpId="0" animBg="1"/>
-      <p:bldP spid="24" grpId="1" animBg="1"/>
-      <p:bldP spid="25" grpId="0" animBg="1"/>
-      <p:bldP spid="25" grpId="1" animBg="1"/>
-      <p:bldP spid="26" grpId="0" animBg="1"/>
-      <p:bldP spid="26" grpId="1" animBg="1"/>
-      <p:bldP spid="27" grpId="0" animBg="1"/>
-      <p:bldP spid="27" grpId="1" animBg="1"/>
-      <p:bldP spid="28" grpId="0" animBg="1"/>
-      <p:bldP spid="28" grpId="1" animBg="1"/>
-      <p:bldP spid="29" grpId="0" animBg="1"/>
-      <p:bldP spid="29" grpId="1" animBg="1"/>
-      <p:bldP spid="30" grpId="0" animBg="1"/>
-      <p:bldP spid="30" grpId="1" animBg="1"/>
-      <p:bldP spid="31" grpId="0" animBg="1"/>
-      <p:bldP spid="31" grpId="1" animBg="1"/>
-      <p:bldP spid="32" grpId="0" animBg="1"/>
-      <p:bldP spid="32" grpId="1" animBg="1"/>
-      <p:bldP spid="33" grpId="0" animBg="1"/>
-      <p:bldP spid="33" grpId="1" animBg="1"/>
-      <p:bldP spid="34" grpId="0" animBg="1"/>
-      <p:bldP spid="34" grpId="1" animBg="1"/>
-      <p:bldP spid="35" grpId="0" animBg="1"/>
-      <p:bldP spid="36" grpId="0" animBg="1"/>
-      <p:bldP spid="36" grpId="1" animBg="1"/>
-      <p:bldP spid="37" grpId="0" animBg="1"/>
-      <p:bldP spid="38" grpId="0" animBg="1"/>
-      <p:bldP spid="41" grpId="0" animBg="1"/>
-      <p:bldP spid="43" grpId="0" animBg="1"/>
-      <p:bldP spid="44" grpId="0" animBg="1"/>
-      <p:bldP spid="39" grpId="0" animBg="1"/>
-      <p:bldP spid="40" grpId="0" animBg="1"/>
-      <p:bldP spid="45" grpId="0" animBg="1"/>
-    </p:bldLst>
-  </p:timing>
-</p:sld>
-</file>
-
-<file path=ppt/slides/slide4.xml><?xml version="1.0" encoding="utf-8"?>
-<p:sld xmlns:a="http://schemas.openxmlformats.org/drawingml/2006/main" xmlns:r="http://schemas.openxmlformats.org/officeDocument/2006/relationships" xmlns:p="http://schemas.openxmlformats.org/presentationml/2006/main">
-  <p:cSld>
-    <p:spTree>
-      <p:nvGrpSpPr>
-        <p:cNvPr id="1" name=""/>
-        <p:cNvGrpSpPr/>
-        <p:nvPr/>
-      </p:nvGrpSpPr>
-      <p:grpSpPr>
-        <a:xfrm>
-          <a:off x="0" y="0"/>
-          <a:ext cx="0" cy="0"/>
-          <a:chOff x="0" y="0"/>
-          <a:chExt cx="0" cy="0"/>
-        </a:xfrm>
-      </p:grpSpPr>
-      <p:sp>
-        <p:nvSpPr>
           <p:cNvPr id="17" name="Title 16"/>
           <p:cNvSpPr>
             <a:spLocks noGrp="1"/>
@@ -26576,7 +23173,7 @@
 </p:sld>
 </file>
 
-<file path=ppt/slides/slide5.xml><?xml version="1.0" encoding="utf-8"?>
+<file path=ppt/slides/slide4.xml><?xml version="1.0" encoding="utf-8"?>
 <p:sld xmlns:a="http://schemas.openxmlformats.org/drawingml/2006/main" xmlns:r="http://schemas.openxmlformats.org/officeDocument/2006/relationships" xmlns:p="http://schemas.openxmlformats.org/presentationml/2006/main">
   <p:cSld>
     <p:spTree>
@@ -26670,6 +23267,313 @@
       </p:transition>
     </mc:Fallback>
   </mc:AlternateContent>
+</p:sld>
+</file>
+
+<file path=ppt/slides/slide5.xml><?xml version="1.0" encoding="utf-8"?>
+<p:sld xmlns:a="http://schemas.openxmlformats.org/drawingml/2006/main" xmlns:r="http://schemas.openxmlformats.org/officeDocument/2006/relationships" xmlns:p="http://schemas.openxmlformats.org/presentationml/2006/main">
+  <p:cSld>
+    <p:spTree>
+      <p:nvGrpSpPr>
+        <p:cNvPr id="1" name=""/>
+        <p:cNvGrpSpPr/>
+        <p:nvPr/>
+      </p:nvGrpSpPr>
+      <p:grpSpPr>
+        <a:xfrm>
+          <a:off x="0" y="0"/>
+          <a:ext cx="0" cy="0"/>
+          <a:chOff x="0" y="0"/>
+          <a:chExt cx="0" cy="0"/>
+        </a:xfrm>
+      </p:grpSpPr>
+      <p:pic>
+        <p:nvPicPr>
+          <p:cNvPr id="13314" name="Picture 1" descr="EH 2015 PPT template6.jpg"/>
+          <p:cNvPicPr>
+            <a:picLocks noChangeAspect="1"/>
+          </p:cNvPicPr>
+          <p:nvPr/>
+        </p:nvPicPr>
+        <p:blipFill>
+          <a:blip r:embed="rId3">
+            <a:extLst>
+              <a:ext uri="{28A0092B-C50C-407E-A947-70E740481C1C}">
+                <a14:useLocalDpi xmlns:a14="http://schemas.microsoft.com/office/drawing/2010/main" val="0"/>
+              </a:ext>
+            </a:extLst>
+          </a:blip>
+          <a:srcRect/>
+          <a:stretch>
+            <a:fillRect/>
+          </a:stretch>
+        </p:blipFill>
+        <p:spPr bwMode="auto">
+          <a:xfrm>
+            <a:off x="1" y="0"/>
+            <a:ext cx="12187767" cy="6858000"/>
+          </a:xfrm>
+          <a:prstGeom prst="rect">
+            <a:avLst/>
+          </a:prstGeom>
+          <a:noFill/>
+          <a:ln>
+            <a:noFill/>
+          </a:ln>
+          <a:extLst>
+            <a:ext uri="{909E8E84-426E-40DD-AFC4-6F175D3DCCD1}">
+              <a14:hiddenFill xmlns:a14="http://schemas.microsoft.com/office/drawing/2010/main">
+                <a:solidFill>
+                  <a:srgbClr val="FFFFFF"/>
+                </a:solidFill>
+              </a14:hiddenFill>
+            </a:ext>
+            <a:ext uri="{91240B29-F687-4F45-9708-019B960494DF}">
+              <a14:hiddenLine xmlns:a14="http://schemas.microsoft.com/office/drawing/2010/main" w="9525">
+                <a:solidFill>
+                  <a:srgbClr val="000000"/>
+                </a:solidFill>
+                <a:miter lim="800000"/>
+                <a:headEnd/>
+                <a:tailEnd/>
+              </a14:hiddenLine>
+            </a:ext>
+          </a:extLst>
+        </p:spPr>
+      </p:pic>
+      <p:pic>
+        <p:nvPicPr>
+          <p:cNvPr id="13315" name="Picture 1"/>
+          <p:cNvPicPr>
+            <a:picLocks noChangeAspect="1"/>
+          </p:cNvPicPr>
+          <p:nvPr/>
+        </p:nvPicPr>
+        <p:blipFill>
+          <a:blip r:embed="rId4">
+            <a:extLst>
+              <a:ext uri="{28A0092B-C50C-407E-A947-70E740481C1C}">
+                <a14:useLocalDpi xmlns:a14="http://schemas.microsoft.com/office/drawing/2010/main" val="0"/>
+              </a:ext>
+            </a:extLst>
+          </a:blip>
+          <a:srcRect/>
+          <a:stretch>
+            <a:fillRect/>
+          </a:stretch>
+        </p:blipFill>
+        <p:spPr bwMode="auto">
+          <a:xfrm>
+            <a:off x="3788834" y="1221318"/>
+            <a:ext cx="4610100" cy="4607983"/>
+          </a:xfrm>
+          <a:prstGeom prst="rect">
+            <a:avLst/>
+          </a:prstGeom>
+          <a:noFill/>
+          <a:ln>
+            <a:noFill/>
+          </a:ln>
+          <a:extLst>
+            <a:ext uri="{909E8E84-426E-40DD-AFC4-6F175D3DCCD1}">
+              <a14:hiddenFill xmlns:a14="http://schemas.microsoft.com/office/drawing/2010/main">
+                <a:solidFill>
+                  <a:srgbClr val="FFFFFF"/>
+                </a:solidFill>
+              </a14:hiddenFill>
+            </a:ext>
+            <a:ext uri="{91240B29-F687-4F45-9708-019B960494DF}">
+              <a14:hiddenLine xmlns:a14="http://schemas.microsoft.com/office/drawing/2010/main" w="9525">
+                <a:solidFill>
+                  <a:srgbClr val="000000"/>
+                </a:solidFill>
+                <a:miter lim="800000"/>
+                <a:headEnd/>
+                <a:tailEnd/>
+              </a14:hiddenLine>
+            </a:ext>
+          </a:extLst>
+        </p:spPr>
+      </p:pic>
+      <p:sp>
+        <p:nvSpPr>
+          <p:cNvPr id="13316" name="Rectangle 2"/>
+          <p:cNvSpPr>
+            <a:spLocks noChangeArrowheads="1"/>
+          </p:cNvSpPr>
+          <p:nvPr/>
+        </p:nvSpPr>
+        <p:spPr bwMode="auto">
+          <a:xfrm>
+            <a:off x="3158067" y="412751"/>
+            <a:ext cx="5912196" cy="748988"/>
+          </a:xfrm>
+          <a:prstGeom prst="rect">
+            <a:avLst/>
+          </a:prstGeom>
+          <a:noFill/>
+          <a:ln>
+            <a:noFill/>
+          </a:ln>
+          <a:extLst>
+            <a:ext uri="{909E8E84-426E-40DD-AFC4-6F175D3DCCD1}">
+              <a14:hiddenFill xmlns:a14="http://schemas.microsoft.com/office/drawing/2010/main">
+                <a:solidFill>
+                  <a:srgbClr val="FFFFFF"/>
+                </a:solidFill>
+              </a14:hiddenFill>
+            </a:ext>
+            <a:ext uri="{91240B29-F687-4F45-9708-019B960494DF}">
+              <a14:hiddenLine xmlns:a14="http://schemas.microsoft.com/office/drawing/2010/main" w="9525">
+                <a:solidFill>
+                  <a:srgbClr val="000000"/>
+                </a:solidFill>
+                <a:miter lim="800000"/>
+                <a:headEnd/>
+                <a:tailEnd/>
+              </a14:hiddenLine>
+            </a:ext>
+          </a:extLst>
+        </p:spPr>
+        <p:txBody>
+          <a:bodyPr wrap="none">
+            <a:spAutoFit/>
+          </a:bodyPr>
+          <a:lstStyle>
+            <a:lvl1pPr>
+              <a:defRPr>
+                <a:solidFill>
+                  <a:schemeClr val="tx1"/>
+                </a:solidFill>
+                <a:latin typeface="Arial" panose="020B0604020202020204" pitchFamily="34" charset="0"/>
+                <a:ea typeface="ＭＳ Ｐゴシック" panose="020B0600070205080204" pitchFamily="34" charset="-128"/>
+              </a:defRPr>
+            </a:lvl1pPr>
+            <a:lvl2pPr marL="742950" indent="-285750">
+              <a:defRPr>
+                <a:solidFill>
+                  <a:schemeClr val="tx1"/>
+                </a:solidFill>
+                <a:latin typeface="Arial" panose="020B0604020202020204" pitchFamily="34" charset="0"/>
+                <a:ea typeface="ＭＳ Ｐゴシック" panose="020B0600070205080204" pitchFamily="34" charset="-128"/>
+              </a:defRPr>
+            </a:lvl2pPr>
+            <a:lvl3pPr marL="1143000" indent="-228600">
+              <a:defRPr>
+                <a:solidFill>
+                  <a:schemeClr val="tx1"/>
+                </a:solidFill>
+                <a:latin typeface="Arial" panose="020B0604020202020204" pitchFamily="34" charset="0"/>
+                <a:ea typeface="ＭＳ Ｐゴシック" panose="020B0600070205080204" pitchFamily="34" charset="-128"/>
+              </a:defRPr>
+            </a:lvl3pPr>
+            <a:lvl4pPr marL="1600200" indent="-228600">
+              <a:defRPr>
+                <a:solidFill>
+                  <a:schemeClr val="tx1"/>
+                </a:solidFill>
+                <a:latin typeface="Arial" panose="020B0604020202020204" pitchFamily="34" charset="0"/>
+                <a:ea typeface="ＭＳ Ｐゴシック" panose="020B0600070205080204" pitchFamily="34" charset="-128"/>
+              </a:defRPr>
+            </a:lvl4pPr>
+            <a:lvl5pPr marL="2057400" indent="-228600">
+              <a:defRPr>
+                <a:solidFill>
+                  <a:schemeClr val="tx1"/>
+                </a:solidFill>
+                <a:latin typeface="Arial" panose="020B0604020202020204" pitchFamily="34" charset="0"/>
+                <a:ea typeface="ＭＳ Ｐゴシック" panose="020B0600070205080204" pitchFamily="34" charset="-128"/>
+              </a:defRPr>
+            </a:lvl5pPr>
+            <a:lvl6pPr marL="2514600" indent="-228600" eaLnBrk="0" fontAlgn="base" hangingPunct="0">
+              <a:spcBef>
+                <a:spcPct val="0"/>
+              </a:spcBef>
+              <a:spcAft>
+                <a:spcPct val="0"/>
+              </a:spcAft>
+              <a:defRPr>
+                <a:solidFill>
+                  <a:schemeClr val="tx1"/>
+                </a:solidFill>
+                <a:latin typeface="Arial" panose="020B0604020202020204" pitchFamily="34" charset="0"/>
+                <a:ea typeface="ＭＳ Ｐゴシック" panose="020B0600070205080204" pitchFamily="34" charset="-128"/>
+              </a:defRPr>
+            </a:lvl6pPr>
+            <a:lvl7pPr marL="2971800" indent="-228600" eaLnBrk="0" fontAlgn="base" hangingPunct="0">
+              <a:spcBef>
+                <a:spcPct val="0"/>
+              </a:spcBef>
+              <a:spcAft>
+                <a:spcPct val="0"/>
+              </a:spcAft>
+              <a:defRPr>
+                <a:solidFill>
+                  <a:schemeClr val="tx1"/>
+                </a:solidFill>
+                <a:latin typeface="Arial" panose="020B0604020202020204" pitchFamily="34" charset="0"/>
+                <a:ea typeface="ＭＳ Ｐゴシック" panose="020B0600070205080204" pitchFamily="34" charset="-128"/>
+              </a:defRPr>
+            </a:lvl7pPr>
+            <a:lvl8pPr marL="3429000" indent="-228600" eaLnBrk="0" fontAlgn="base" hangingPunct="0">
+              <a:spcBef>
+                <a:spcPct val="0"/>
+              </a:spcBef>
+              <a:spcAft>
+                <a:spcPct val="0"/>
+              </a:spcAft>
+              <a:defRPr>
+                <a:solidFill>
+                  <a:schemeClr val="tx1"/>
+                </a:solidFill>
+                <a:latin typeface="Arial" panose="020B0604020202020204" pitchFamily="34" charset="0"/>
+                <a:ea typeface="ＭＳ Ｐゴシック" panose="020B0600070205080204" pitchFamily="34" charset="-128"/>
+              </a:defRPr>
+            </a:lvl8pPr>
+            <a:lvl9pPr marL="3886200" indent="-228600" eaLnBrk="0" fontAlgn="base" hangingPunct="0">
+              <a:spcBef>
+                <a:spcPct val="0"/>
+              </a:spcBef>
+              <a:spcAft>
+                <a:spcPct val="0"/>
+              </a:spcAft>
+              <a:defRPr>
+                <a:solidFill>
+                  <a:schemeClr val="tx1"/>
+                </a:solidFill>
+                <a:latin typeface="Arial" panose="020B0604020202020204" pitchFamily="34" charset="0"/>
+                <a:ea typeface="ＭＳ Ｐゴシック" panose="020B0600070205080204" pitchFamily="34" charset="-128"/>
+              </a:defRPr>
+            </a:lvl9pPr>
+          </a:lstStyle>
+          <a:p>
+            <a:pPr eaLnBrk="1" hangingPunct="1"/>
+            <a:r>
+              <a:rPr lang="hu-HU" altLang="hu-HU" sz="4267" u="sng">
+                <a:solidFill>
+                  <a:srgbClr val="0563C1"/>
+                </a:solidFill>
+                <a:latin typeface="Segoe UI Black" panose="020B0A02040204020203" pitchFamily="34" charset="0"/>
+                <a:hlinkClick r:id="rId5"/>
+              </a:rPr>
+              <a:t>http://spoke.at/FHLJ</a:t>
+            </a:r>
+            <a:endParaRPr lang="hu-HU" altLang="hu-HU" sz="4267">
+              <a:latin typeface="Segoe UI Black" panose="020B0A02040204020203" pitchFamily="34" charset="0"/>
+            </a:endParaRPr>
+          </a:p>
+        </p:txBody>
+      </p:sp>
+    </p:spTree>
+    <p:extLst>
+      <p:ext uri="{BB962C8B-B14F-4D97-AF65-F5344CB8AC3E}">
+        <p14:creationId xmlns:p14="http://schemas.microsoft.com/office/powerpoint/2010/main" val="2647865841"/>
+      </p:ext>
+    </p:extLst>
+  </p:cSld>
+  <p:clrMapOvr>
+    <a:masterClrMapping/>
+  </p:clrMapOvr>
 </p:sld>
 </file>
 
@@ -27566,6 +24470,21 @@
 </file>
 
 <file path=customXml/item1.xml><?xml version="1.0" encoding="utf-8"?>
+<p:properties xmlns:p="http://schemas.microsoft.com/office/2006/metadata/properties" xmlns:xsi="http://www.w3.org/2001/XMLSchema-instance" xmlns:pc="http://schemas.microsoft.com/office/infopath/2007/PartnerControls">
+  <documentManagement/>
+</p:properties>
+</file>
+
+<file path=customXml/item2.xml><?xml version="1.0" encoding="utf-8"?>
+<?mso-contentType ?>
+<FormTemplates xmlns="http://schemas.microsoft.com/sharepoint/v3/contenttype/forms">
+  <Display>DocumentLibraryForm</Display>
+  <Edit>DocumentLibraryForm</Edit>
+  <New>DocumentLibraryForm</New>
+</FormTemplates>
+</file>
+
+<file path=customXml/item3.xml><?xml version="1.0" encoding="utf-8"?>
 <ct:contentTypeSchema xmlns:ct="http://schemas.microsoft.com/office/2006/metadata/contentType" xmlns:ma="http://schemas.microsoft.com/office/2006/metadata/properties/metaAttributes" ct:_="" ma:_="" ma:contentTypeName="Dokumentum" ma:contentTypeID="0x010100400E1B0CB386DA41897B1C91E2EAB4DB" ma:contentTypeVersion="2" ma:contentTypeDescription="Új dokumentum létrehozása." ma:contentTypeScope="" ma:versionID="bda83db1e486606077fcaef580d9e1a2">
   <xsd:schema xmlns:xsd="http://www.w3.org/2001/XMLSchema" xmlns:xs="http://www.w3.org/2001/XMLSchema" xmlns:p="http://schemas.microsoft.com/office/2006/metadata/properties" xmlns:ns2="8e1ec9f0-dab9-457a-8152-2c84045392d8" targetNamespace="http://schemas.microsoft.com/office/2006/metadata/properties" ma:root="true" ma:fieldsID="619101252d1ddd1affb5fc5a258bc718" ns2:_="">
     <xsd:import namespace="8e1ec9f0-dab9-457a-8152-2c84045392d8"/>
@@ -27713,22 +24632,31 @@
 </ct:contentTypeSchema>
 </file>
 
-<file path=customXml/item2.xml><?xml version="1.0" encoding="utf-8"?>
-<?mso-contentType ?>
-<FormTemplates xmlns="http://schemas.microsoft.com/sharepoint/v3/contenttype/forms">
-  <Display>DocumentLibraryForm</Display>
-  <Edit>DocumentLibraryForm</Edit>
-  <New>DocumentLibraryForm</New>
-</FormTemplates>
+<file path=customXml/itemProps1.xml><?xml version="1.0" encoding="utf-8"?>
+<ds:datastoreItem xmlns:ds="http://schemas.openxmlformats.org/officeDocument/2006/customXml" ds:itemID="{9650FFFF-4C43-4091-92A4-42212B5B7212}">
+  <ds:schemaRefs>
+    <ds:schemaRef ds:uri="http://purl.org/dc/terms/"/>
+    <ds:schemaRef ds:uri="http://schemas.openxmlformats.org/package/2006/metadata/core-properties"/>
+    <ds:schemaRef ds:uri="http://schemas.microsoft.com/office/2006/documentManagement/types"/>
+    <ds:schemaRef ds:uri="http://schemas.microsoft.com/office/infopath/2007/PartnerControls"/>
+    <ds:schemaRef ds:uri="http://purl.org/dc/elements/1.1/"/>
+    <ds:schemaRef ds:uri="http://schemas.microsoft.com/office/2006/metadata/properties"/>
+    <ds:schemaRef ds:uri="8e1ec9f0-dab9-457a-8152-2c84045392d8"/>
+    <ds:schemaRef ds:uri="http://www.w3.org/XML/1998/namespace"/>
+    <ds:schemaRef ds:uri="http://purl.org/dc/dcmitype/"/>
+  </ds:schemaRefs>
+</ds:datastoreItem>
 </file>
 
-<file path=customXml/item3.xml><?xml version="1.0" encoding="utf-8"?>
-<p:properties xmlns:p="http://schemas.microsoft.com/office/2006/metadata/properties" xmlns:xsi="http://www.w3.org/2001/XMLSchema-instance" xmlns:pc="http://schemas.microsoft.com/office/infopath/2007/PartnerControls">
-  <documentManagement/>
-</p:properties>
+<file path=customXml/itemProps2.xml><?xml version="1.0" encoding="utf-8"?>
+<ds:datastoreItem xmlns:ds="http://schemas.openxmlformats.org/officeDocument/2006/customXml" ds:itemID="{827A870F-6503-4245-BAFB-99317218B176}">
+  <ds:schemaRefs>
+    <ds:schemaRef ds:uri="http://schemas.microsoft.com/sharepoint/v3/contenttype/forms"/>
+  </ds:schemaRefs>
+</ds:datastoreItem>
 </file>
 
-<file path=customXml/itemProps1.xml><?xml version="1.0" encoding="utf-8"?>
+<file path=customXml/itemProps3.xml><?xml version="1.0" encoding="utf-8"?>
 <ds:datastoreItem xmlns:ds="http://schemas.openxmlformats.org/officeDocument/2006/customXml" ds:itemID="{A182D35C-F3A1-404D-9122-8FB946A37B59}">
   <ds:schemaRefs>
     <ds:schemaRef ds:uri="http://schemas.microsoft.com/office/2006/metadata/contentType"/>
@@ -27744,28 +24672,4 @@
     <ds:schemaRef ds:uri="http://schemas.microsoft.com/internal/obd"/>
   </ds:schemaRefs>
 </ds:datastoreItem>
-</file>
-
-<file path=customXml/itemProps2.xml><?xml version="1.0" encoding="utf-8"?>
-<ds:datastoreItem xmlns:ds="http://schemas.openxmlformats.org/officeDocument/2006/customXml" ds:itemID="{827A870F-6503-4245-BAFB-99317218B176}">
-  <ds:schemaRefs>
-    <ds:schemaRef ds:uri="http://schemas.microsoft.com/sharepoint/v3/contenttype/forms"/>
-  </ds:schemaRefs>
-</ds:datastoreItem>
-</file>
-
-<file path=customXml/itemProps3.xml><?xml version="1.0" encoding="utf-8"?>
-<ds:datastoreItem xmlns:ds="http://schemas.openxmlformats.org/officeDocument/2006/customXml" ds:itemID="{9650FFFF-4C43-4091-92A4-42212B5B7212}">
-  <ds:schemaRefs>
-    <ds:schemaRef ds:uri="http://purl.org/dc/terms/"/>
-    <ds:schemaRef ds:uri="http://schemas.openxmlformats.org/package/2006/metadata/core-properties"/>
-    <ds:schemaRef ds:uri="http://schemas.microsoft.com/office/2006/documentManagement/types"/>
-    <ds:schemaRef ds:uri="http://schemas.microsoft.com/office/infopath/2007/PartnerControls"/>
-    <ds:schemaRef ds:uri="http://purl.org/dc/elements/1.1/"/>
-    <ds:schemaRef ds:uri="http://schemas.microsoft.com/office/2006/metadata/properties"/>
-    <ds:schemaRef ds:uri="8e1ec9f0-dab9-457a-8152-2c84045392d8"/>
-    <ds:schemaRef ds:uri="http://www.w3.org/XML/1998/namespace"/>
-    <ds:schemaRef ds:uri="http://purl.org/dc/dcmitype/"/>
-  </ds:schemaRefs>
-</ds:datastoreItem>
 </file>